--- a/lectures/Lecture004_LifecycleComponents_ViewModel_DataBinding.pptx
+++ b/lectures/Lecture004_LifecycleComponents_ViewModel_DataBinding.pptx
@@ -8,7 +8,7 @@
     <p:sldMasterId id="2147483695" r:id="rId4"/>
   </p:sldMasterIdLst>
   <p:notesMasterIdLst>
-    <p:notesMasterId r:id="rId46"/>
+    <p:notesMasterId r:id="rId49"/>
   </p:notesMasterIdLst>
   <p:sldIdLst>
     <p:sldId id="257" r:id="rId5"/>
@@ -44,14 +44,17 @@
     <p:sldId id="557" r:id="rId35"/>
     <p:sldId id="559" r:id="rId36"/>
     <p:sldId id="560" r:id="rId37"/>
-    <p:sldId id="561" r:id="rId38"/>
-    <p:sldId id="562" r:id="rId39"/>
-    <p:sldId id="563" r:id="rId40"/>
-    <p:sldId id="564" r:id="rId41"/>
-    <p:sldId id="565" r:id="rId42"/>
-    <p:sldId id="567" r:id="rId43"/>
-    <p:sldId id="568" r:id="rId44"/>
-    <p:sldId id="566" r:id="rId45"/>
+    <p:sldId id="569" r:id="rId38"/>
+    <p:sldId id="570" r:id="rId39"/>
+    <p:sldId id="571" r:id="rId40"/>
+    <p:sldId id="561" r:id="rId41"/>
+    <p:sldId id="562" r:id="rId42"/>
+    <p:sldId id="563" r:id="rId43"/>
+    <p:sldId id="564" r:id="rId44"/>
+    <p:sldId id="565" r:id="rId45"/>
+    <p:sldId id="567" r:id="rId46"/>
+    <p:sldId id="568" r:id="rId47"/>
+    <p:sldId id="566" r:id="rId48"/>
   </p:sldIdLst>
   <p:sldSz cx="9144000" cy="6858000" type="screen4x3"/>
   <p:notesSz cx="6858000" cy="9144000"/>
@@ -308,7 +311,7 @@
               <a:pPr>
                 <a:defRPr/>
               </a:pPr>
-              <a:t>9/25/2019</a:t>
+              <a:t>10/1/2019</a:t>
             </a:fld>
             <a:endParaRPr lang="en-US"/>
           </a:p>
@@ -17820,7 +17823,7 @@
               <a:tabLst/>
             </a:pPr>
             <a:r>
-              <a:rPr kumimoji="0" lang="ru-RU" altLang="ru-RU" sz="1800" b="0" i="0" u="none" strike="noStrike" cap="none" normalizeH="0" baseline="0">
+              <a:rPr kumimoji="0" lang="ru-RU" altLang="ru-RU" sz="1800" b="0" i="0" u="none" strike="noStrike" cap="none" normalizeH="0" baseline="0" dirty="0">
                 <a:ln>
                   <a:noFill/>
                 </a:ln>
@@ -17830,10 +17833,62 @@
                 <a:effectLst/>
                 <a:latin typeface="Roboto Mono"/>
               </a:rPr>
-              <a:t>&lt;?xml version=</a:t>
-            </a:r>
-            <a:r>
-              <a:rPr kumimoji="0" lang="ru-RU" altLang="ru-RU" sz="1800" b="0" i="0" u="none" strike="noStrike" cap="none" normalizeH="0" baseline="0">
+              <a:t>&lt;?</a:t>
+            </a:r>
+            <a:r>
+              <a:rPr kumimoji="0" lang="ru-RU" altLang="ru-RU" sz="1800" b="0" i="0" u="none" strike="noStrike" cap="none" normalizeH="0" baseline="0" dirty="0" err="1">
+                <a:ln>
+                  <a:noFill/>
+                </a:ln>
+                <a:solidFill>
+                  <a:srgbClr val="37474F"/>
+                </a:solidFill>
+                <a:effectLst/>
+                <a:latin typeface="Roboto Mono"/>
+              </a:rPr>
+              <a:t>xml</a:t>
+            </a:r>
+            <a:r>
+              <a:rPr kumimoji="0" lang="ru-RU" altLang="ru-RU" sz="1800" b="0" i="0" u="none" strike="noStrike" cap="none" normalizeH="0" baseline="0" dirty="0">
+                <a:ln>
+                  <a:noFill/>
+                </a:ln>
+                <a:solidFill>
+                  <a:srgbClr val="37474F"/>
+                </a:solidFill>
+                <a:effectLst/>
+                <a:latin typeface="Roboto Mono"/>
+              </a:rPr>
+              <a:t> </a:t>
+            </a:r>
+            <a:r>
+              <a:rPr kumimoji="0" lang="ru-RU" altLang="ru-RU" sz="1800" b="0" i="0" u="none" strike="noStrike" cap="none" normalizeH="0" baseline="0" dirty="0" err="1">
+                <a:ln>
+                  <a:noFill/>
+                </a:ln>
+                <a:solidFill>
+                  <a:srgbClr val="37474F"/>
+                </a:solidFill>
+                <a:effectLst/>
+                <a:latin typeface="Roboto Mono"/>
+              </a:rPr>
+              <a:t>version</a:t>
+            </a:r>
+            <a:r>
+              <a:rPr kumimoji="0" lang="ru-RU" altLang="ru-RU" sz="1800" b="0" i="0" u="none" strike="noStrike" cap="none" normalizeH="0" baseline="0" dirty="0">
+                <a:ln>
+                  <a:noFill/>
+                </a:ln>
+                <a:solidFill>
+                  <a:srgbClr val="37474F"/>
+                </a:solidFill>
+                <a:effectLst/>
+                <a:latin typeface="Roboto Mono"/>
+              </a:rPr>
+              <a:t>=</a:t>
+            </a:r>
+            <a:r>
+              <a:rPr kumimoji="0" lang="ru-RU" altLang="ru-RU" sz="1800" b="0" i="0" u="none" strike="noStrike" cap="none" normalizeH="0" baseline="0" dirty="0">
                 <a:ln>
                   <a:noFill/>
                 </a:ln>
@@ -17846,7 +17901,7 @@
               <a:t>"1.0"</a:t>
             </a:r>
             <a:r>
-              <a:rPr kumimoji="0" lang="ru-RU" altLang="ru-RU" sz="1800" b="0" i="0" u="none" strike="noStrike" cap="none" normalizeH="0" baseline="0">
+              <a:rPr kumimoji="0" lang="ru-RU" altLang="ru-RU" sz="1800" b="0" i="0" u="none" strike="noStrike" cap="none" normalizeH="0" baseline="0" dirty="0">
                 <a:ln>
                   <a:noFill/>
                 </a:ln>
@@ -17856,10 +17911,36 @@
                 <a:effectLst/>
                 <a:latin typeface="Roboto Mono"/>
               </a:rPr>
-              <a:t> encoding=</a:t>
-            </a:r>
-            <a:r>
-              <a:rPr kumimoji="0" lang="ru-RU" altLang="ru-RU" sz="1800" b="0" i="0" u="none" strike="noStrike" cap="none" normalizeH="0" baseline="0">
+              <a:t> </a:t>
+            </a:r>
+            <a:r>
+              <a:rPr kumimoji="0" lang="ru-RU" altLang="ru-RU" sz="1800" b="0" i="0" u="none" strike="noStrike" cap="none" normalizeH="0" baseline="0" dirty="0" err="1">
+                <a:ln>
+                  <a:noFill/>
+                </a:ln>
+                <a:solidFill>
+                  <a:srgbClr val="37474F"/>
+                </a:solidFill>
+                <a:effectLst/>
+                <a:latin typeface="Roboto Mono"/>
+              </a:rPr>
+              <a:t>encoding</a:t>
+            </a:r>
+            <a:r>
+              <a:rPr kumimoji="0" lang="ru-RU" altLang="ru-RU" sz="1800" b="0" i="0" u="none" strike="noStrike" cap="none" normalizeH="0" baseline="0" dirty="0">
+                <a:ln>
+                  <a:noFill/>
+                </a:ln>
+                <a:solidFill>
+                  <a:srgbClr val="37474F"/>
+                </a:solidFill>
+                <a:effectLst/>
+                <a:latin typeface="Roboto Mono"/>
+              </a:rPr>
+              <a:t>=</a:t>
+            </a:r>
+            <a:r>
+              <a:rPr kumimoji="0" lang="ru-RU" altLang="ru-RU" sz="1800" b="0" i="0" u="none" strike="noStrike" cap="none" normalizeH="0" baseline="0" dirty="0">
                 <a:ln>
                   <a:noFill/>
                 </a:ln>
@@ -17872,7 +17953,7 @@
               <a:t>"utf-8"</a:t>
             </a:r>
             <a:r>
-              <a:rPr kumimoji="0" lang="ru-RU" altLang="ru-RU" sz="1800" b="0" i="0" u="none" strike="noStrike" cap="none" normalizeH="0" baseline="0">
+              <a:rPr kumimoji="0" lang="ru-RU" altLang="ru-RU" sz="1800" b="0" i="0" u="none" strike="noStrike" cap="none" normalizeH="0" baseline="0" dirty="0">
                 <a:ln>
                   <a:noFill/>
                 </a:ln>
@@ -17885,7 +17966,7 @@
               <a:t>?&gt;</a:t>
             </a:r>
             <a:br>
-              <a:rPr kumimoji="0" lang="ru-RU" altLang="ru-RU" sz="1800" b="0" i="0" u="none" strike="noStrike" cap="none" normalizeH="0" baseline="0">
+              <a:rPr kumimoji="0" lang="ru-RU" altLang="ru-RU" sz="1800" b="0" i="0" u="none" strike="noStrike" cap="none" normalizeH="0" baseline="0" dirty="0">
                 <a:ln>
                   <a:noFill/>
                 </a:ln>
@@ -17897,7 +17978,7 @@
               </a:rPr>
             </a:br>
             <a:r>
-              <a:rPr kumimoji="0" lang="ru-RU" altLang="ru-RU" sz="1800" b="0" i="0" u="none" strike="noStrike" cap="none" normalizeH="0" baseline="0">
+              <a:rPr kumimoji="0" lang="ru-RU" altLang="ru-RU" sz="1800" b="0" i="0" u="none" strike="noStrike" cap="none" normalizeH="0" baseline="0" dirty="0">
                 <a:ln>
                   <a:noFill/>
                 </a:ln>
@@ -17907,10 +17988,23 @@
                 <a:effectLst/>
                 <a:latin typeface="Roboto Mono"/>
               </a:rPr>
-              <a:t>&lt;layout</a:t>
-            </a:r>
-            <a:r>
-              <a:rPr kumimoji="0" lang="ru-RU" altLang="ru-RU" sz="1800" b="0" i="0" u="none" strike="noStrike" cap="none" normalizeH="0" baseline="0">
+              <a:t>&lt;</a:t>
+            </a:r>
+            <a:r>
+              <a:rPr kumimoji="0" lang="ru-RU" altLang="ru-RU" sz="1800" b="0" i="0" u="none" strike="noStrike" cap="none" normalizeH="0" baseline="0" dirty="0" err="1">
+                <a:ln>
+                  <a:noFill/>
+                </a:ln>
+                <a:solidFill>
+                  <a:srgbClr val="3B78E7"/>
+                </a:solidFill>
+                <a:effectLst/>
+                <a:latin typeface="Roboto Mono"/>
+              </a:rPr>
+              <a:t>layout</a:t>
+            </a:r>
+            <a:r>
+              <a:rPr kumimoji="0" lang="ru-RU" altLang="ru-RU" sz="1800" b="0" i="0" u="none" strike="noStrike" cap="none" normalizeH="0" baseline="0" dirty="0">
                 <a:ln>
                   <a:noFill/>
                 </a:ln>
@@ -17923,7 +18017,7 @@
               <a:t> </a:t>
             </a:r>
             <a:r>
-              <a:rPr kumimoji="0" lang="ru-RU" altLang="ru-RU" sz="1800" b="0" i="0" u="none" strike="noStrike" cap="none" normalizeH="0" baseline="0">
+              <a:rPr kumimoji="0" lang="ru-RU" altLang="ru-RU" sz="1800" b="0" i="0" u="none" strike="noStrike" cap="none" normalizeH="0" baseline="0" dirty="0" err="1">
                 <a:ln>
                   <a:noFill/>
                 </a:ln>
@@ -17936,7 +18030,7 @@
               <a:t>xmlns:android</a:t>
             </a:r>
             <a:r>
-              <a:rPr kumimoji="0" lang="ru-RU" altLang="ru-RU" sz="1800" b="0" i="0" u="none" strike="noStrike" cap="none" normalizeH="0" baseline="0">
+              <a:rPr kumimoji="0" lang="ru-RU" altLang="ru-RU" sz="1800" b="0" i="0" u="none" strike="noStrike" cap="none" normalizeH="0" baseline="0" dirty="0">
                 <a:ln>
                   <a:noFill/>
                 </a:ln>
@@ -17949,7 +18043,7 @@
               <a:t>=</a:t>
             </a:r>
             <a:r>
-              <a:rPr kumimoji="0" lang="ru-RU" altLang="ru-RU" sz="1800" b="0" i="0" u="none" strike="noStrike" cap="none" normalizeH="0" baseline="0">
+              <a:rPr kumimoji="0" lang="ru-RU" altLang="ru-RU" sz="1800" b="0" i="0" u="none" strike="noStrike" cap="none" normalizeH="0" baseline="0" dirty="0">
                 <a:ln>
                   <a:noFill/>
                 </a:ln>
@@ -17962,7 +18056,7 @@
               <a:t>"http://schemas.android.com/apk/res/android"</a:t>
             </a:r>
             <a:r>
-              <a:rPr kumimoji="0" lang="ru-RU" altLang="ru-RU" sz="1800" b="0" i="0" u="none" strike="noStrike" cap="none" normalizeH="0" baseline="0">
+              <a:rPr kumimoji="0" lang="ru-RU" altLang="ru-RU" sz="1800" b="0" i="0" u="none" strike="noStrike" cap="none" normalizeH="0" baseline="0" dirty="0">
                 <a:ln>
                   <a:noFill/>
                 </a:ln>
@@ -17975,7 +18069,7 @@
               <a:t>&gt;</a:t>
             </a:r>
             <a:br>
-              <a:rPr kumimoji="0" lang="ru-RU" altLang="ru-RU" sz="1800" b="0" i="0" u="none" strike="noStrike" cap="none" normalizeH="0" baseline="0">
+              <a:rPr kumimoji="0" lang="ru-RU" altLang="ru-RU" sz="1800" b="0" i="0" u="none" strike="noStrike" cap="none" normalizeH="0" baseline="0" dirty="0">
                 <a:ln>
                   <a:noFill/>
                 </a:ln>
@@ -17987,7 +18081,7 @@
               </a:rPr>
             </a:br>
             <a:r>
-              <a:rPr kumimoji="0" lang="ru-RU" altLang="ru-RU" sz="1800" b="0" i="0" u="none" strike="noStrike" cap="none" normalizeH="0" baseline="0">
+              <a:rPr kumimoji="0" lang="ru-RU" altLang="ru-RU" sz="1800" b="0" i="0" u="none" strike="noStrike" cap="none" normalizeH="0" baseline="0" dirty="0">
                 <a:ln>
                   <a:noFill/>
                 </a:ln>
@@ -18000,7 +18094,7 @@
               <a:t>   </a:t>
             </a:r>
             <a:r>
-              <a:rPr kumimoji="0" lang="ru-RU" altLang="ru-RU" sz="1800" b="0" i="0" u="none" strike="noStrike" cap="none" normalizeH="0" baseline="0">
+              <a:rPr kumimoji="0" lang="ru-RU" altLang="ru-RU" sz="1800" b="0" i="0" u="none" strike="noStrike" cap="none" normalizeH="0" baseline="0" dirty="0">
                 <a:ln>
                   <a:noFill/>
                 </a:ln>
@@ -18010,10 +18104,36 @@
                 <a:effectLst/>
                 <a:latin typeface="Roboto Mono"/>
               </a:rPr>
-              <a:t>&lt;data&gt;</a:t>
+              <a:t>&lt;</a:t>
+            </a:r>
+            <a:r>
+              <a:rPr kumimoji="0" lang="ru-RU" altLang="ru-RU" sz="1800" b="0" i="0" u="none" strike="noStrike" cap="none" normalizeH="0" baseline="0" dirty="0" err="1">
+                <a:ln>
+                  <a:noFill/>
+                </a:ln>
+                <a:solidFill>
+                  <a:srgbClr val="3B78E7"/>
+                </a:solidFill>
+                <a:effectLst/>
+                <a:latin typeface="Roboto Mono"/>
+              </a:rPr>
+              <a:t>data</a:t>
+            </a:r>
+            <a:r>
+              <a:rPr kumimoji="0" lang="ru-RU" altLang="ru-RU" sz="1800" b="0" i="0" u="none" strike="noStrike" cap="none" normalizeH="0" baseline="0" dirty="0">
+                <a:ln>
+                  <a:noFill/>
+                </a:ln>
+                <a:solidFill>
+                  <a:srgbClr val="3B78E7"/>
+                </a:solidFill>
+                <a:effectLst/>
+                <a:latin typeface="Roboto Mono"/>
+              </a:rPr>
+              <a:t>&gt;</a:t>
             </a:r>
             <a:br>
-              <a:rPr kumimoji="0" lang="ru-RU" altLang="ru-RU" sz="1800" b="0" i="0" u="none" strike="noStrike" cap="none" normalizeH="0" baseline="0">
+              <a:rPr kumimoji="0" lang="ru-RU" altLang="ru-RU" sz="1800" b="0" i="0" u="none" strike="noStrike" cap="none" normalizeH="0" baseline="0" dirty="0">
                 <a:ln>
                   <a:noFill/>
                 </a:ln>
@@ -18025,7 +18145,7 @@
               </a:rPr>
             </a:br>
             <a:r>
-              <a:rPr kumimoji="0" lang="ru-RU" altLang="ru-RU" sz="1800" b="0" i="0" u="none" strike="noStrike" cap="none" normalizeH="0" baseline="0">
+              <a:rPr kumimoji="0" lang="ru-RU" altLang="ru-RU" sz="1800" b="0" i="0" u="none" strike="noStrike" cap="none" normalizeH="0" baseline="0" dirty="0">
                 <a:ln>
                   <a:noFill/>
                 </a:ln>
@@ -18038,7 +18158,7 @@
               <a:t>       </a:t>
             </a:r>
             <a:r>
-              <a:rPr kumimoji="0" lang="ru-RU" altLang="ru-RU" sz="1800" b="0" i="0" u="none" strike="noStrike" cap="none" normalizeH="0" baseline="0">
+              <a:rPr kumimoji="0" lang="ru-RU" altLang="ru-RU" sz="1800" b="0" i="0" u="none" strike="noStrike" cap="none" normalizeH="0" baseline="0" dirty="0">
                 <a:ln>
                   <a:noFill/>
                 </a:ln>
@@ -18048,10 +18168,23 @@
                 <a:effectLst/>
                 <a:latin typeface="Roboto Mono"/>
               </a:rPr>
-              <a:t>&lt;variable</a:t>
-            </a:r>
-            <a:r>
-              <a:rPr kumimoji="0" lang="ru-RU" altLang="ru-RU" sz="1800" b="0" i="0" u="none" strike="noStrike" cap="none" normalizeH="0" baseline="0">
+              <a:t>&lt;</a:t>
+            </a:r>
+            <a:r>
+              <a:rPr kumimoji="0" lang="ru-RU" altLang="ru-RU" sz="1800" b="0" i="0" u="none" strike="noStrike" cap="none" normalizeH="0" baseline="0" dirty="0" err="1">
+                <a:ln>
+                  <a:noFill/>
+                </a:ln>
+                <a:solidFill>
+                  <a:srgbClr val="3B78E7"/>
+                </a:solidFill>
+                <a:effectLst/>
+                <a:latin typeface="Roboto Mono"/>
+              </a:rPr>
+              <a:t>variable</a:t>
+            </a:r>
+            <a:r>
+              <a:rPr kumimoji="0" lang="ru-RU" altLang="ru-RU" sz="1800" b="0" i="0" u="none" strike="noStrike" cap="none" normalizeH="0" baseline="0" dirty="0">
                 <a:ln>
                   <a:noFill/>
                 </a:ln>
@@ -18064,7 +18197,7 @@
               <a:t> </a:t>
             </a:r>
             <a:r>
-              <a:rPr kumimoji="0" lang="ru-RU" altLang="ru-RU" sz="1800" b="0" i="0" u="none" strike="noStrike" cap="none" normalizeH="0" baseline="0">
+              <a:rPr kumimoji="0" lang="ru-RU" altLang="ru-RU" sz="1800" b="0" i="0" u="none" strike="noStrike" cap="none" normalizeH="0" baseline="0" dirty="0" err="1">
                 <a:ln>
                   <a:noFill/>
                 </a:ln>
@@ -18077,7 +18210,7 @@
               <a:t>name</a:t>
             </a:r>
             <a:r>
-              <a:rPr kumimoji="0" lang="ru-RU" altLang="ru-RU" sz="1800" b="0" i="0" u="none" strike="noStrike" cap="none" normalizeH="0" baseline="0">
+              <a:rPr kumimoji="0" lang="ru-RU" altLang="ru-RU" sz="1800" b="0" i="0" u="none" strike="noStrike" cap="none" normalizeH="0" baseline="0" dirty="0">
                 <a:ln>
                   <a:noFill/>
                 </a:ln>
@@ -18090,7 +18223,7 @@
               <a:t>=</a:t>
             </a:r>
             <a:r>
-              <a:rPr kumimoji="0" lang="ru-RU" altLang="ru-RU" sz="1800" b="0" i="0" u="none" strike="noStrike" cap="none" normalizeH="0" baseline="0">
+              <a:rPr kumimoji="0" lang="ru-RU" altLang="ru-RU" sz="1800" b="0" i="0" u="none" strike="noStrike" cap="none" normalizeH="0" baseline="0" dirty="0">
                 <a:ln>
                   <a:noFill/>
                 </a:ln>
@@ -18100,10 +18233,36 @@
                 <a:effectLst/>
                 <a:latin typeface="Roboto Mono"/>
               </a:rPr>
-              <a:t>"user"</a:t>
-            </a:r>
-            <a:r>
-              <a:rPr kumimoji="0" lang="ru-RU" altLang="ru-RU" sz="1800" b="0" i="0" u="none" strike="noStrike" cap="none" normalizeH="0" baseline="0">
+              <a:t>"</a:t>
+            </a:r>
+            <a:r>
+              <a:rPr kumimoji="0" lang="ru-RU" altLang="ru-RU" sz="1800" b="0" i="0" u="none" strike="noStrike" cap="none" normalizeH="0" baseline="0" dirty="0" err="1">
+                <a:ln>
+                  <a:noFill/>
+                </a:ln>
+                <a:solidFill>
+                  <a:srgbClr val="0D904F"/>
+                </a:solidFill>
+                <a:effectLst/>
+                <a:latin typeface="Roboto Mono"/>
+              </a:rPr>
+              <a:t>user</a:t>
+            </a:r>
+            <a:r>
+              <a:rPr kumimoji="0" lang="ru-RU" altLang="ru-RU" sz="1800" b="0" i="0" u="none" strike="noStrike" cap="none" normalizeH="0" baseline="0" dirty="0">
+                <a:ln>
+                  <a:noFill/>
+                </a:ln>
+                <a:solidFill>
+                  <a:srgbClr val="0D904F"/>
+                </a:solidFill>
+                <a:effectLst/>
+                <a:latin typeface="Roboto Mono"/>
+              </a:rPr>
+              <a:t>"</a:t>
+            </a:r>
+            <a:r>
+              <a:rPr kumimoji="0" lang="ru-RU" altLang="ru-RU" sz="1800" b="0" i="0" u="none" strike="noStrike" cap="none" normalizeH="0" baseline="0" dirty="0">
                 <a:ln>
                   <a:noFill/>
                 </a:ln>
@@ -18116,7 +18275,7 @@
               <a:t> </a:t>
             </a:r>
             <a:r>
-              <a:rPr kumimoji="0" lang="ru-RU" altLang="ru-RU" sz="1800" b="0" i="0" u="none" strike="noStrike" cap="none" normalizeH="0" baseline="0">
+              <a:rPr kumimoji="0" lang="ru-RU" altLang="ru-RU" sz="1800" b="0" i="0" u="none" strike="noStrike" cap="none" normalizeH="0" baseline="0" dirty="0" err="1">
                 <a:ln>
                   <a:noFill/>
                 </a:ln>
@@ -18129,7 +18288,7 @@
               <a:t>type</a:t>
             </a:r>
             <a:r>
-              <a:rPr kumimoji="0" lang="ru-RU" altLang="ru-RU" sz="1800" b="0" i="0" u="none" strike="noStrike" cap="none" normalizeH="0" baseline="0">
+              <a:rPr kumimoji="0" lang="ru-RU" altLang="ru-RU" sz="1800" b="0" i="0" u="none" strike="noStrike" cap="none" normalizeH="0" baseline="0" dirty="0">
                 <a:ln>
                   <a:noFill/>
                 </a:ln>
@@ -18142,7 +18301,7 @@
               <a:t>=</a:t>
             </a:r>
             <a:r>
-              <a:rPr kumimoji="0" lang="ru-RU" altLang="ru-RU" sz="1800" b="0" i="0" u="none" strike="noStrike" cap="none" normalizeH="0" baseline="0">
+              <a:rPr kumimoji="0" lang="ru-RU" altLang="ru-RU" sz="1800" b="0" i="0" u="none" strike="noStrike" cap="none" normalizeH="0" baseline="0" dirty="0">
                 <a:ln>
                   <a:noFill/>
                 </a:ln>
@@ -18152,10 +18311,36 @@
                 <a:effectLst/>
                 <a:latin typeface="Roboto Mono"/>
               </a:rPr>
-              <a:t>"com.example.User"</a:t>
-            </a:r>
-            <a:r>
-              <a:rPr kumimoji="0" lang="ru-RU" altLang="ru-RU" sz="1800" b="0" i="0" u="none" strike="noStrike" cap="none" normalizeH="0" baseline="0">
+              <a:t>"</a:t>
+            </a:r>
+            <a:r>
+              <a:rPr kumimoji="0" lang="ru-RU" altLang="ru-RU" sz="1800" b="0" i="0" u="none" strike="noStrike" cap="none" normalizeH="0" baseline="0" dirty="0" err="1">
+                <a:ln>
+                  <a:noFill/>
+                </a:ln>
+                <a:solidFill>
+                  <a:srgbClr val="0D904F"/>
+                </a:solidFill>
+                <a:effectLst/>
+                <a:latin typeface="Roboto Mono"/>
+              </a:rPr>
+              <a:t>com.example.User</a:t>
+            </a:r>
+            <a:r>
+              <a:rPr kumimoji="0" lang="ru-RU" altLang="ru-RU" sz="1800" b="0" i="0" u="none" strike="noStrike" cap="none" normalizeH="0" baseline="0" dirty="0">
+                <a:ln>
+                  <a:noFill/>
+                </a:ln>
+                <a:solidFill>
+                  <a:srgbClr val="0D904F"/>
+                </a:solidFill>
+                <a:effectLst/>
+                <a:latin typeface="Roboto Mono"/>
+              </a:rPr>
+              <a:t>"</a:t>
+            </a:r>
+            <a:r>
+              <a:rPr kumimoji="0" lang="ru-RU" altLang="ru-RU" sz="1800" b="0" i="0" u="none" strike="noStrike" cap="none" normalizeH="0" baseline="0" dirty="0">
                 <a:ln>
                   <a:noFill/>
                 </a:ln>
@@ -18168,7 +18353,7 @@
               <a:t>/&gt;</a:t>
             </a:r>
             <a:br>
-              <a:rPr kumimoji="0" lang="ru-RU" altLang="ru-RU" sz="1800" b="0" i="0" u="none" strike="noStrike" cap="none" normalizeH="0" baseline="0">
+              <a:rPr kumimoji="0" lang="ru-RU" altLang="ru-RU" sz="1800" b="0" i="0" u="none" strike="noStrike" cap="none" normalizeH="0" baseline="0" dirty="0">
                 <a:ln>
                   <a:noFill/>
                 </a:ln>
@@ -18180,7 +18365,7 @@
               </a:rPr>
             </a:br>
             <a:r>
-              <a:rPr kumimoji="0" lang="ru-RU" altLang="ru-RU" sz="1800" b="0" i="0" u="none" strike="noStrike" cap="none" normalizeH="0" baseline="0">
+              <a:rPr kumimoji="0" lang="ru-RU" altLang="ru-RU" sz="1800" b="0" i="0" u="none" strike="noStrike" cap="none" normalizeH="0" baseline="0" dirty="0">
                 <a:ln>
                   <a:noFill/>
                 </a:ln>
@@ -18193,7 +18378,7 @@
               <a:t>   </a:t>
             </a:r>
             <a:r>
-              <a:rPr kumimoji="0" lang="ru-RU" altLang="ru-RU" sz="1800" b="0" i="0" u="none" strike="noStrike" cap="none" normalizeH="0" baseline="0">
+              <a:rPr kumimoji="0" lang="ru-RU" altLang="ru-RU" sz="1800" b="0" i="0" u="none" strike="noStrike" cap="none" normalizeH="0" baseline="0" dirty="0">
                 <a:ln>
                   <a:noFill/>
                 </a:ln>
@@ -18203,10 +18388,36 @@
                 <a:effectLst/>
                 <a:latin typeface="Roboto Mono"/>
               </a:rPr>
-              <a:t>&lt;/data&gt;</a:t>
+              <a:t>&lt;/</a:t>
+            </a:r>
+            <a:r>
+              <a:rPr kumimoji="0" lang="ru-RU" altLang="ru-RU" sz="1800" b="0" i="0" u="none" strike="noStrike" cap="none" normalizeH="0" baseline="0" dirty="0" err="1">
+                <a:ln>
+                  <a:noFill/>
+                </a:ln>
+                <a:solidFill>
+                  <a:srgbClr val="3B78E7"/>
+                </a:solidFill>
+                <a:effectLst/>
+                <a:latin typeface="Roboto Mono"/>
+              </a:rPr>
+              <a:t>data</a:t>
+            </a:r>
+            <a:r>
+              <a:rPr kumimoji="0" lang="ru-RU" altLang="ru-RU" sz="1800" b="0" i="0" u="none" strike="noStrike" cap="none" normalizeH="0" baseline="0" dirty="0">
+                <a:ln>
+                  <a:noFill/>
+                </a:ln>
+                <a:solidFill>
+                  <a:srgbClr val="3B78E7"/>
+                </a:solidFill>
+                <a:effectLst/>
+                <a:latin typeface="Roboto Mono"/>
+              </a:rPr>
+              <a:t>&gt;</a:t>
             </a:r>
             <a:br>
-              <a:rPr kumimoji="0" lang="ru-RU" altLang="ru-RU" sz="1800" b="0" i="0" u="none" strike="noStrike" cap="none" normalizeH="0" baseline="0">
+              <a:rPr kumimoji="0" lang="ru-RU" altLang="ru-RU" sz="1800" b="0" i="0" u="none" strike="noStrike" cap="none" normalizeH="0" baseline="0" dirty="0">
                 <a:ln>
                   <a:noFill/>
                 </a:ln>
@@ -18218,7 +18429,7 @@
               </a:rPr>
             </a:br>
             <a:r>
-              <a:rPr kumimoji="0" lang="ru-RU" altLang="ru-RU" sz="1800" b="0" i="0" u="none" strike="noStrike" cap="none" normalizeH="0" baseline="0">
+              <a:rPr kumimoji="0" lang="ru-RU" altLang="ru-RU" sz="1800" b="0" i="0" u="none" strike="noStrike" cap="none" normalizeH="0" baseline="0" dirty="0">
                 <a:ln>
                   <a:noFill/>
                 </a:ln>
@@ -18231,7 +18442,7 @@
               <a:t>   </a:t>
             </a:r>
             <a:r>
-              <a:rPr kumimoji="0" lang="ru-RU" altLang="ru-RU" sz="1800" b="0" i="0" u="none" strike="noStrike" cap="none" normalizeH="0" baseline="0">
+              <a:rPr kumimoji="0" lang="ru-RU" altLang="ru-RU" sz="1800" b="0" i="0" u="none" strike="noStrike" cap="none" normalizeH="0" baseline="0" dirty="0">
                 <a:ln>
                   <a:noFill/>
                 </a:ln>
@@ -18241,10 +18452,23 @@
                 <a:effectLst/>
                 <a:latin typeface="Roboto Mono"/>
               </a:rPr>
-              <a:t>&lt;LinearLayout</a:t>
+              <a:t>&lt;</a:t>
+            </a:r>
+            <a:r>
+              <a:rPr kumimoji="0" lang="ru-RU" altLang="ru-RU" sz="1800" b="0" i="0" u="none" strike="noStrike" cap="none" normalizeH="0" baseline="0" dirty="0" err="1">
+                <a:ln>
+                  <a:noFill/>
+                </a:ln>
+                <a:solidFill>
+                  <a:srgbClr val="3B78E7"/>
+                </a:solidFill>
+                <a:effectLst/>
+                <a:latin typeface="Roboto Mono"/>
+              </a:rPr>
+              <a:t>LinearLayout</a:t>
             </a:r>
             <a:br>
-              <a:rPr kumimoji="0" lang="ru-RU" altLang="ru-RU" sz="1800" b="0" i="0" u="none" strike="noStrike" cap="none" normalizeH="0" baseline="0">
+              <a:rPr kumimoji="0" lang="ru-RU" altLang="ru-RU" sz="1800" b="0" i="0" u="none" strike="noStrike" cap="none" normalizeH="0" baseline="0" dirty="0">
                 <a:ln>
                   <a:noFill/>
                 </a:ln>
@@ -18256,7 +18480,7 @@
               </a:rPr>
             </a:br>
             <a:r>
-              <a:rPr kumimoji="0" lang="ru-RU" altLang="ru-RU" sz="1800" b="0" i="0" u="none" strike="noStrike" cap="none" normalizeH="0" baseline="0">
+              <a:rPr kumimoji="0" lang="ru-RU" altLang="ru-RU" sz="1800" b="0" i="0" u="none" strike="noStrike" cap="none" normalizeH="0" baseline="0" dirty="0">
                 <a:ln>
                   <a:noFill/>
                 </a:ln>
@@ -18269,7 +18493,7 @@
               <a:t>       </a:t>
             </a:r>
             <a:r>
-              <a:rPr kumimoji="0" lang="ru-RU" altLang="ru-RU" sz="1800" b="0" i="0" u="none" strike="noStrike" cap="none" normalizeH="0" baseline="0">
+              <a:rPr kumimoji="0" lang="ru-RU" altLang="ru-RU" sz="1800" b="0" i="0" u="none" strike="noStrike" cap="none" normalizeH="0" baseline="0" dirty="0" err="1">
                 <a:ln>
                   <a:noFill/>
                 </a:ln>
@@ -18282,7 +18506,7 @@
               <a:t>android:orientation</a:t>
             </a:r>
             <a:r>
-              <a:rPr kumimoji="0" lang="ru-RU" altLang="ru-RU" sz="1800" b="0" i="0" u="none" strike="noStrike" cap="none" normalizeH="0" baseline="0">
+              <a:rPr kumimoji="0" lang="ru-RU" altLang="ru-RU" sz="1800" b="0" i="0" u="none" strike="noStrike" cap="none" normalizeH="0" baseline="0" dirty="0">
                 <a:ln>
                   <a:noFill/>
                 </a:ln>
@@ -18295,7 +18519,7 @@
               <a:t>=</a:t>
             </a:r>
             <a:r>
-              <a:rPr kumimoji="0" lang="ru-RU" altLang="ru-RU" sz="1800" b="0" i="0" u="none" strike="noStrike" cap="none" normalizeH="0" baseline="0">
+              <a:rPr kumimoji="0" lang="ru-RU" altLang="ru-RU" sz="1800" b="0" i="0" u="none" strike="noStrike" cap="none" normalizeH="0" baseline="0" dirty="0">
                 <a:ln>
                   <a:noFill/>
                 </a:ln>
@@ -18305,10 +18529,36 @@
                 <a:effectLst/>
                 <a:latin typeface="Roboto Mono"/>
               </a:rPr>
-              <a:t>"vertical"</a:t>
+              <a:t>"</a:t>
+            </a:r>
+            <a:r>
+              <a:rPr kumimoji="0" lang="ru-RU" altLang="ru-RU" sz="1800" b="0" i="0" u="none" strike="noStrike" cap="none" normalizeH="0" baseline="0" dirty="0" err="1">
+                <a:ln>
+                  <a:noFill/>
+                </a:ln>
+                <a:solidFill>
+                  <a:srgbClr val="0D904F"/>
+                </a:solidFill>
+                <a:effectLst/>
+                <a:latin typeface="Roboto Mono"/>
+              </a:rPr>
+              <a:t>vertical</a:t>
+            </a:r>
+            <a:r>
+              <a:rPr kumimoji="0" lang="ru-RU" altLang="ru-RU" sz="1800" b="0" i="0" u="none" strike="noStrike" cap="none" normalizeH="0" baseline="0" dirty="0">
+                <a:ln>
+                  <a:noFill/>
+                </a:ln>
+                <a:solidFill>
+                  <a:srgbClr val="0D904F"/>
+                </a:solidFill>
+                <a:effectLst/>
+                <a:latin typeface="Roboto Mono"/>
+              </a:rPr>
+              <a:t>"</a:t>
             </a:r>
             <a:br>
-              <a:rPr kumimoji="0" lang="ru-RU" altLang="ru-RU" sz="1800" b="0" i="0" u="none" strike="noStrike" cap="none" normalizeH="0" baseline="0">
+              <a:rPr kumimoji="0" lang="ru-RU" altLang="ru-RU" sz="1800" b="0" i="0" u="none" strike="noStrike" cap="none" normalizeH="0" baseline="0" dirty="0">
                 <a:ln>
                   <a:noFill/>
                 </a:ln>
@@ -18320,7 +18570,7 @@
               </a:rPr>
             </a:br>
             <a:r>
-              <a:rPr kumimoji="0" lang="ru-RU" altLang="ru-RU" sz="1800" b="0" i="0" u="none" strike="noStrike" cap="none" normalizeH="0" baseline="0">
+              <a:rPr kumimoji="0" lang="ru-RU" altLang="ru-RU" sz="1800" b="0" i="0" u="none" strike="noStrike" cap="none" normalizeH="0" baseline="0" dirty="0">
                 <a:ln>
                   <a:noFill/>
                 </a:ln>
@@ -18333,7 +18583,7 @@
               <a:t>       </a:t>
             </a:r>
             <a:r>
-              <a:rPr kumimoji="0" lang="ru-RU" altLang="ru-RU" sz="1800" b="0" i="0" u="none" strike="noStrike" cap="none" normalizeH="0" baseline="0">
+              <a:rPr kumimoji="0" lang="ru-RU" altLang="ru-RU" sz="1800" b="0" i="0" u="none" strike="noStrike" cap="none" normalizeH="0" baseline="0" dirty="0" err="1">
                 <a:ln>
                   <a:noFill/>
                 </a:ln>
@@ -18346,7 +18596,7 @@
               <a:t>android:layout_width</a:t>
             </a:r>
             <a:r>
-              <a:rPr kumimoji="0" lang="ru-RU" altLang="ru-RU" sz="1800" b="0" i="0" u="none" strike="noStrike" cap="none" normalizeH="0" baseline="0">
+              <a:rPr kumimoji="0" lang="ru-RU" altLang="ru-RU" sz="1800" b="0" i="0" u="none" strike="noStrike" cap="none" normalizeH="0" baseline="0" dirty="0">
                 <a:ln>
                   <a:noFill/>
                 </a:ln>
@@ -18359,7 +18609,7 @@
               <a:t>=</a:t>
             </a:r>
             <a:r>
-              <a:rPr kumimoji="0" lang="ru-RU" altLang="ru-RU" sz="1800" b="0" i="0" u="none" strike="noStrike" cap="none" normalizeH="0" baseline="0">
+              <a:rPr kumimoji="0" lang="ru-RU" altLang="ru-RU" sz="1800" b="0" i="0" u="none" strike="noStrike" cap="none" normalizeH="0" baseline="0" dirty="0">
                 <a:ln>
                   <a:noFill/>
                 </a:ln>
@@ -18369,10 +18619,36 @@
                 <a:effectLst/>
                 <a:latin typeface="Roboto Mono"/>
               </a:rPr>
-              <a:t>"match_parent"</a:t>
+              <a:t>"</a:t>
+            </a:r>
+            <a:r>
+              <a:rPr kumimoji="0" lang="ru-RU" altLang="ru-RU" sz="1800" b="0" i="0" u="none" strike="noStrike" cap="none" normalizeH="0" baseline="0" dirty="0" err="1">
+                <a:ln>
+                  <a:noFill/>
+                </a:ln>
+                <a:solidFill>
+                  <a:srgbClr val="0D904F"/>
+                </a:solidFill>
+                <a:effectLst/>
+                <a:latin typeface="Roboto Mono"/>
+              </a:rPr>
+              <a:t>match_parent</a:t>
+            </a:r>
+            <a:r>
+              <a:rPr kumimoji="0" lang="ru-RU" altLang="ru-RU" sz="1800" b="0" i="0" u="none" strike="noStrike" cap="none" normalizeH="0" baseline="0" dirty="0">
+                <a:ln>
+                  <a:noFill/>
+                </a:ln>
+                <a:solidFill>
+                  <a:srgbClr val="0D904F"/>
+                </a:solidFill>
+                <a:effectLst/>
+                <a:latin typeface="Roboto Mono"/>
+              </a:rPr>
+              <a:t>"</a:t>
             </a:r>
             <a:br>
-              <a:rPr kumimoji="0" lang="ru-RU" altLang="ru-RU" sz="1800" b="0" i="0" u="none" strike="noStrike" cap="none" normalizeH="0" baseline="0">
+              <a:rPr kumimoji="0" lang="ru-RU" altLang="ru-RU" sz="1800" b="0" i="0" u="none" strike="noStrike" cap="none" normalizeH="0" baseline="0" dirty="0">
                 <a:ln>
                   <a:noFill/>
                 </a:ln>
@@ -18384,7 +18660,7 @@
               </a:rPr>
             </a:br>
             <a:r>
-              <a:rPr kumimoji="0" lang="ru-RU" altLang="ru-RU" sz="1800" b="0" i="0" u="none" strike="noStrike" cap="none" normalizeH="0" baseline="0">
+              <a:rPr kumimoji="0" lang="ru-RU" altLang="ru-RU" sz="1800" b="0" i="0" u="none" strike="noStrike" cap="none" normalizeH="0" baseline="0" dirty="0">
                 <a:ln>
                   <a:noFill/>
                 </a:ln>
@@ -18397,7 +18673,7 @@
               <a:t>       </a:t>
             </a:r>
             <a:r>
-              <a:rPr kumimoji="0" lang="ru-RU" altLang="ru-RU" sz="1800" b="0" i="0" u="none" strike="noStrike" cap="none" normalizeH="0" baseline="0">
+              <a:rPr kumimoji="0" lang="ru-RU" altLang="ru-RU" sz="1800" b="0" i="0" u="none" strike="noStrike" cap="none" normalizeH="0" baseline="0" dirty="0" err="1">
                 <a:ln>
                   <a:noFill/>
                 </a:ln>
@@ -18410,7 +18686,7 @@
               <a:t>android:layout_height</a:t>
             </a:r>
             <a:r>
-              <a:rPr kumimoji="0" lang="ru-RU" altLang="ru-RU" sz="1800" b="0" i="0" u="none" strike="noStrike" cap="none" normalizeH="0" baseline="0">
+              <a:rPr kumimoji="0" lang="ru-RU" altLang="ru-RU" sz="1800" b="0" i="0" u="none" strike="noStrike" cap="none" normalizeH="0" baseline="0" dirty="0">
                 <a:ln>
                   <a:noFill/>
                 </a:ln>
@@ -18423,7 +18699,7 @@
               <a:t>=</a:t>
             </a:r>
             <a:r>
-              <a:rPr kumimoji="0" lang="ru-RU" altLang="ru-RU" sz="1800" b="0" i="0" u="none" strike="noStrike" cap="none" normalizeH="0" baseline="0">
+              <a:rPr kumimoji="0" lang="ru-RU" altLang="ru-RU" sz="1800" b="0" i="0" u="none" strike="noStrike" cap="none" normalizeH="0" baseline="0" dirty="0">
                 <a:ln>
                   <a:noFill/>
                 </a:ln>
@@ -18433,10 +18709,36 @@
                 <a:effectLst/>
                 <a:latin typeface="Roboto Mono"/>
               </a:rPr>
-              <a:t>"match_parent"</a:t>
-            </a:r>
-            <a:r>
-              <a:rPr kumimoji="0" lang="ru-RU" altLang="ru-RU" sz="1800" b="0" i="0" u="none" strike="noStrike" cap="none" normalizeH="0" baseline="0">
+              <a:t>"</a:t>
+            </a:r>
+            <a:r>
+              <a:rPr kumimoji="0" lang="ru-RU" altLang="ru-RU" sz="1800" b="0" i="0" u="none" strike="noStrike" cap="none" normalizeH="0" baseline="0" dirty="0" err="1">
+                <a:ln>
+                  <a:noFill/>
+                </a:ln>
+                <a:solidFill>
+                  <a:srgbClr val="0D904F"/>
+                </a:solidFill>
+                <a:effectLst/>
+                <a:latin typeface="Roboto Mono"/>
+              </a:rPr>
+              <a:t>match_parent</a:t>
+            </a:r>
+            <a:r>
+              <a:rPr kumimoji="0" lang="ru-RU" altLang="ru-RU" sz="1800" b="0" i="0" u="none" strike="noStrike" cap="none" normalizeH="0" baseline="0" dirty="0">
+                <a:ln>
+                  <a:noFill/>
+                </a:ln>
+                <a:solidFill>
+                  <a:srgbClr val="0D904F"/>
+                </a:solidFill>
+                <a:effectLst/>
+                <a:latin typeface="Roboto Mono"/>
+              </a:rPr>
+              <a:t>"</a:t>
+            </a:r>
+            <a:r>
+              <a:rPr kumimoji="0" lang="ru-RU" altLang="ru-RU" sz="1800" b="0" i="0" u="none" strike="noStrike" cap="none" normalizeH="0" baseline="0" dirty="0">
                 <a:ln>
                   <a:noFill/>
                 </a:ln>
@@ -18449,7 +18751,7 @@
               <a:t>&gt;</a:t>
             </a:r>
             <a:br>
-              <a:rPr kumimoji="0" lang="ru-RU" altLang="ru-RU" sz="1800" b="0" i="0" u="none" strike="noStrike" cap="none" normalizeH="0" baseline="0">
+              <a:rPr kumimoji="0" lang="ru-RU" altLang="ru-RU" sz="1800" b="0" i="0" u="none" strike="noStrike" cap="none" normalizeH="0" baseline="0" dirty="0">
                 <a:ln>
                   <a:noFill/>
                 </a:ln>
@@ -18461,7 +18763,7 @@
               </a:rPr>
             </a:br>
             <a:r>
-              <a:rPr kumimoji="0" lang="ru-RU" altLang="ru-RU" sz="1800" b="0" i="0" u="none" strike="noStrike" cap="none" normalizeH="0" baseline="0">
+              <a:rPr kumimoji="0" lang="ru-RU" altLang="ru-RU" sz="1800" b="0" i="0" u="none" strike="noStrike" cap="none" normalizeH="0" baseline="0" dirty="0">
                 <a:ln>
                   <a:noFill/>
                 </a:ln>
@@ -18474,7 +18776,7 @@
               <a:t>       </a:t>
             </a:r>
             <a:r>
-              <a:rPr kumimoji="0" lang="ru-RU" altLang="ru-RU" sz="1800" b="0" i="0" u="none" strike="noStrike" cap="none" normalizeH="0" baseline="0">
+              <a:rPr kumimoji="0" lang="ru-RU" altLang="ru-RU" sz="1800" b="0" i="0" u="none" strike="noStrike" cap="none" normalizeH="0" baseline="0" dirty="0">
                 <a:ln>
                   <a:noFill/>
                 </a:ln>
@@ -18484,10 +18786,23 @@
                 <a:effectLst/>
                 <a:latin typeface="Roboto Mono"/>
               </a:rPr>
-              <a:t>&lt;TextView</a:t>
-            </a:r>
-            <a:r>
-              <a:rPr kumimoji="0" lang="ru-RU" altLang="ru-RU" sz="1800" b="0" i="0" u="none" strike="noStrike" cap="none" normalizeH="0" baseline="0">
+              <a:t>&lt;</a:t>
+            </a:r>
+            <a:r>
+              <a:rPr kumimoji="0" lang="ru-RU" altLang="ru-RU" sz="1800" b="0" i="0" u="none" strike="noStrike" cap="none" normalizeH="0" baseline="0" dirty="0" err="1">
+                <a:ln>
+                  <a:noFill/>
+                </a:ln>
+                <a:solidFill>
+                  <a:srgbClr val="3B78E7"/>
+                </a:solidFill>
+                <a:effectLst/>
+                <a:latin typeface="Roboto Mono"/>
+              </a:rPr>
+              <a:t>TextView</a:t>
+            </a:r>
+            <a:r>
+              <a:rPr kumimoji="0" lang="ru-RU" altLang="ru-RU" sz="1800" b="0" i="0" u="none" strike="noStrike" cap="none" normalizeH="0" baseline="0" dirty="0">
                 <a:ln>
                   <a:noFill/>
                 </a:ln>
@@ -18500,7 +18815,7 @@
               <a:t> </a:t>
             </a:r>
             <a:r>
-              <a:rPr kumimoji="0" lang="ru-RU" altLang="ru-RU" sz="1800" b="0" i="0" u="none" strike="noStrike" cap="none" normalizeH="0" baseline="0">
+              <a:rPr kumimoji="0" lang="ru-RU" altLang="ru-RU" sz="1800" b="0" i="0" u="none" strike="noStrike" cap="none" normalizeH="0" baseline="0" dirty="0" err="1">
                 <a:ln>
                   <a:noFill/>
                 </a:ln>
@@ -18513,7 +18828,7 @@
               <a:t>android:layout_width</a:t>
             </a:r>
             <a:r>
-              <a:rPr kumimoji="0" lang="ru-RU" altLang="ru-RU" sz="1800" b="0" i="0" u="none" strike="noStrike" cap="none" normalizeH="0" baseline="0">
+              <a:rPr kumimoji="0" lang="ru-RU" altLang="ru-RU" sz="1800" b="0" i="0" u="none" strike="noStrike" cap="none" normalizeH="0" baseline="0" dirty="0">
                 <a:ln>
                   <a:noFill/>
                 </a:ln>
@@ -18526,7 +18841,7 @@
               <a:t>=</a:t>
             </a:r>
             <a:r>
-              <a:rPr kumimoji="0" lang="ru-RU" altLang="ru-RU" sz="1800" b="0" i="0" u="none" strike="noStrike" cap="none" normalizeH="0" baseline="0">
+              <a:rPr kumimoji="0" lang="ru-RU" altLang="ru-RU" sz="1800" b="0" i="0" u="none" strike="noStrike" cap="none" normalizeH="0" baseline="0" dirty="0">
                 <a:ln>
                   <a:noFill/>
                 </a:ln>
@@ -18536,10 +18851,36 @@
                 <a:effectLst/>
                 <a:latin typeface="Roboto Mono"/>
               </a:rPr>
-              <a:t>"wrap_content"</a:t>
+              <a:t>"</a:t>
+            </a:r>
+            <a:r>
+              <a:rPr kumimoji="0" lang="ru-RU" altLang="ru-RU" sz="1800" b="0" i="0" u="none" strike="noStrike" cap="none" normalizeH="0" baseline="0" dirty="0" err="1">
+                <a:ln>
+                  <a:noFill/>
+                </a:ln>
+                <a:solidFill>
+                  <a:srgbClr val="0D904F"/>
+                </a:solidFill>
+                <a:effectLst/>
+                <a:latin typeface="Roboto Mono"/>
+              </a:rPr>
+              <a:t>wrap_content</a:t>
+            </a:r>
+            <a:r>
+              <a:rPr kumimoji="0" lang="ru-RU" altLang="ru-RU" sz="1800" b="0" i="0" u="none" strike="noStrike" cap="none" normalizeH="0" baseline="0" dirty="0">
+                <a:ln>
+                  <a:noFill/>
+                </a:ln>
+                <a:solidFill>
+                  <a:srgbClr val="0D904F"/>
+                </a:solidFill>
+                <a:effectLst/>
+                <a:latin typeface="Roboto Mono"/>
+              </a:rPr>
+              <a:t>"</a:t>
             </a:r>
             <a:br>
-              <a:rPr kumimoji="0" lang="ru-RU" altLang="ru-RU" sz="1800" b="0" i="0" u="none" strike="noStrike" cap="none" normalizeH="0" baseline="0">
+              <a:rPr kumimoji="0" lang="ru-RU" altLang="ru-RU" sz="1800" b="0" i="0" u="none" strike="noStrike" cap="none" normalizeH="0" baseline="0" dirty="0">
                 <a:ln>
                   <a:noFill/>
                 </a:ln>
@@ -18551,7 +18892,7 @@
               </a:rPr>
             </a:br>
             <a:r>
-              <a:rPr kumimoji="0" lang="ru-RU" altLang="ru-RU" sz="1800" b="0" i="0" u="none" strike="noStrike" cap="none" normalizeH="0" baseline="0">
+              <a:rPr kumimoji="0" lang="ru-RU" altLang="ru-RU" sz="1800" b="0" i="0" u="none" strike="noStrike" cap="none" normalizeH="0" baseline="0" dirty="0">
                 <a:ln>
                   <a:noFill/>
                 </a:ln>
@@ -18564,7 +18905,7 @@
               <a:t>           </a:t>
             </a:r>
             <a:r>
-              <a:rPr kumimoji="0" lang="ru-RU" altLang="ru-RU" sz="1800" b="0" i="0" u="none" strike="noStrike" cap="none" normalizeH="0" baseline="0">
+              <a:rPr kumimoji="0" lang="ru-RU" altLang="ru-RU" sz="1800" b="0" i="0" u="none" strike="noStrike" cap="none" normalizeH="0" baseline="0" dirty="0" err="1">
                 <a:ln>
                   <a:noFill/>
                 </a:ln>
@@ -18577,7 +18918,7 @@
               <a:t>android:layout_height</a:t>
             </a:r>
             <a:r>
-              <a:rPr kumimoji="0" lang="ru-RU" altLang="ru-RU" sz="1800" b="0" i="0" u="none" strike="noStrike" cap="none" normalizeH="0" baseline="0">
+              <a:rPr kumimoji="0" lang="ru-RU" altLang="ru-RU" sz="1800" b="0" i="0" u="none" strike="noStrike" cap="none" normalizeH="0" baseline="0" dirty="0">
                 <a:ln>
                   <a:noFill/>
                 </a:ln>
@@ -18590,7 +18931,7 @@
               <a:t>=</a:t>
             </a:r>
             <a:r>
-              <a:rPr kumimoji="0" lang="ru-RU" altLang="ru-RU" sz="1800" b="0" i="0" u="none" strike="noStrike" cap="none" normalizeH="0" baseline="0">
+              <a:rPr kumimoji="0" lang="ru-RU" altLang="ru-RU" sz="1800" b="0" i="0" u="none" strike="noStrike" cap="none" normalizeH="0" baseline="0" dirty="0">
                 <a:ln>
                   <a:noFill/>
                 </a:ln>
@@ -18600,10 +18941,36 @@
                 <a:effectLst/>
                 <a:latin typeface="Roboto Mono"/>
               </a:rPr>
-              <a:t>"wrap_content"</a:t>
+              <a:t>"</a:t>
+            </a:r>
+            <a:r>
+              <a:rPr kumimoji="0" lang="ru-RU" altLang="ru-RU" sz="1800" b="0" i="0" u="none" strike="noStrike" cap="none" normalizeH="0" baseline="0" dirty="0" err="1">
+                <a:ln>
+                  <a:noFill/>
+                </a:ln>
+                <a:solidFill>
+                  <a:srgbClr val="0D904F"/>
+                </a:solidFill>
+                <a:effectLst/>
+                <a:latin typeface="Roboto Mono"/>
+              </a:rPr>
+              <a:t>wrap_content</a:t>
+            </a:r>
+            <a:r>
+              <a:rPr kumimoji="0" lang="ru-RU" altLang="ru-RU" sz="1800" b="0" i="0" u="none" strike="noStrike" cap="none" normalizeH="0" baseline="0" dirty="0">
+                <a:ln>
+                  <a:noFill/>
+                </a:ln>
+                <a:solidFill>
+                  <a:srgbClr val="0D904F"/>
+                </a:solidFill>
+                <a:effectLst/>
+                <a:latin typeface="Roboto Mono"/>
+              </a:rPr>
+              <a:t>"</a:t>
             </a:r>
             <a:br>
-              <a:rPr kumimoji="0" lang="ru-RU" altLang="ru-RU" sz="1800" b="0" i="0" u="none" strike="noStrike" cap="none" normalizeH="0" baseline="0">
+              <a:rPr kumimoji="0" lang="ru-RU" altLang="ru-RU" sz="1800" b="0" i="0" u="none" strike="noStrike" cap="none" normalizeH="0" baseline="0" dirty="0">
                 <a:ln>
                   <a:noFill/>
                 </a:ln>
@@ -18615,7 +18982,7 @@
               </a:rPr>
             </a:br>
             <a:r>
-              <a:rPr kumimoji="0" lang="ru-RU" altLang="ru-RU" sz="1800" b="0" i="0" u="none" strike="noStrike" cap="none" normalizeH="0" baseline="0">
+              <a:rPr kumimoji="0" lang="ru-RU" altLang="ru-RU" sz="1800" b="0" i="0" u="none" strike="noStrike" cap="none" normalizeH="0" baseline="0" dirty="0">
                 <a:ln>
                   <a:noFill/>
                 </a:ln>
@@ -18628,7 +18995,7 @@
               <a:t>           </a:t>
             </a:r>
             <a:r>
-              <a:rPr kumimoji="0" lang="ru-RU" altLang="ru-RU" sz="1800" b="0" i="0" u="none" strike="noStrike" cap="none" normalizeH="0" baseline="0">
+              <a:rPr kumimoji="0" lang="ru-RU" altLang="ru-RU" sz="1800" b="0" i="0" u="none" strike="noStrike" cap="none" normalizeH="0" baseline="0" dirty="0" err="1">
                 <a:ln>
                   <a:noFill/>
                 </a:ln>
@@ -18641,7 +19008,7 @@
               <a:t>android:text</a:t>
             </a:r>
             <a:r>
-              <a:rPr kumimoji="0" lang="ru-RU" altLang="ru-RU" sz="1800" b="0" i="0" u="none" strike="noStrike" cap="none" normalizeH="0" baseline="0">
+              <a:rPr kumimoji="0" lang="ru-RU" altLang="ru-RU" sz="1800" b="0" i="0" u="none" strike="noStrike" cap="none" normalizeH="0" baseline="0" dirty="0">
                 <a:ln>
                   <a:noFill/>
                 </a:ln>
@@ -18654,7 +19021,7 @@
               <a:t>=</a:t>
             </a:r>
             <a:r>
-              <a:rPr kumimoji="0" lang="ru-RU" altLang="ru-RU" sz="1800" b="0" i="0" u="none" strike="noStrike" cap="none" normalizeH="0" baseline="0">
+              <a:rPr kumimoji="0" lang="ru-RU" altLang="ru-RU" sz="1800" b="0" i="0" u="none" strike="noStrike" cap="none" normalizeH="0" baseline="0" dirty="0">
                 <a:ln>
                   <a:noFill/>
                 </a:ln>
@@ -18664,10 +19031,36 @@
                 <a:effectLst/>
                 <a:latin typeface="Roboto Mono"/>
               </a:rPr>
-              <a:t>"@{user.firstName}"</a:t>
-            </a:r>
-            <a:r>
-              <a:rPr kumimoji="0" lang="ru-RU" altLang="ru-RU" sz="1800" b="0" i="0" u="none" strike="noStrike" cap="none" normalizeH="0" baseline="0">
+              <a:t>"@{</a:t>
+            </a:r>
+            <a:r>
+              <a:rPr kumimoji="0" lang="ru-RU" altLang="ru-RU" sz="1800" b="0" i="0" u="none" strike="noStrike" cap="none" normalizeH="0" baseline="0" dirty="0" err="1">
+                <a:ln>
+                  <a:noFill/>
+                </a:ln>
+                <a:solidFill>
+                  <a:srgbClr val="0D904F"/>
+                </a:solidFill>
+                <a:effectLst/>
+                <a:latin typeface="Roboto Mono"/>
+              </a:rPr>
+              <a:t>user.firstName</a:t>
+            </a:r>
+            <a:r>
+              <a:rPr kumimoji="0" lang="ru-RU" altLang="ru-RU" sz="1800" b="0" i="0" u="none" strike="noStrike" cap="none" normalizeH="0" baseline="0" dirty="0">
+                <a:ln>
+                  <a:noFill/>
+                </a:ln>
+                <a:solidFill>
+                  <a:srgbClr val="0D904F"/>
+                </a:solidFill>
+                <a:effectLst/>
+                <a:latin typeface="Roboto Mono"/>
+              </a:rPr>
+              <a:t>}"</a:t>
+            </a:r>
+            <a:r>
+              <a:rPr kumimoji="0" lang="ru-RU" altLang="ru-RU" sz="1800" b="0" i="0" u="none" strike="noStrike" cap="none" normalizeH="0" baseline="0" dirty="0">
                 <a:ln>
                   <a:noFill/>
                 </a:ln>
@@ -18680,7 +19073,7 @@
               <a:t>/&gt;</a:t>
             </a:r>
             <a:br>
-              <a:rPr kumimoji="0" lang="ru-RU" altLang="ru-RU" sz="1800" b="0" i="0" u="none" strike="noStrike" cap="none" normalizeH="0" baseline="0">
+              <a:rPr kumimoji="0" lang="ru-RU" altLang="ru-RU" sz="1800" b="0" i="0" u="none" strike="noStrike" cap="none" normalizeH="0" baseline="0" dirty="0">
                 <a:ln>
                   <a:noFill/>
                 </a:ln>
@@ -18692,7 +19085,7 @@
               </a:rPr>
             </a:br>
             <a:r>
-              <a:rPr kumimoji="0" lang="ru-RU" altLang="ru-RU" sz="1800" b="0" i="0" u="none" strike="noStrike" cap="none" normalizeH="0" baseline="0">
+              <a:rPr kumimoji="0" lang="ru-RU" altLang="ru-RU" sz="1800" b="0" i="0" u="none" strike="noStrike" cap="none" normalizeH="0" baseline="0" dirty="0">
                 <a:ln>
                   <a:noFill/>
                 </a:ln>
@@ -18705,7 +19098,7 @@
               <a:t>       </a:t>
             </a:r>
             <a:r>
-              <a:rPr kumimoji="0" lang="ru-RU" altLang="ru-RU" sz="1800" b="0" i="0" u="none" strike="noStrike" cap="none" normalizeH="0" baseline="0">
+              <a:rPr kumimoji="0" lang="ru-RU" altLang="ru-RU" sz="1800" b="0" i="0" u="none" strike="noStrike" cap="none" normalizeH="0" baseline="0" dirty="0">
                 <a:ln>
                   <a:noFill/>
                 </a:ln>
@@ -18715,10 +19108,23 @@
                 <a:effectLst/>
                 <a:latin typeface="Roboto Mono"/>
               </a:rPr>
-              <a:t>&lt;TextView</a:t>
-            </a:r>
-            <a:r>
-              <a:rPr kumimoji="0" lang="ru-RU" altLang="ru-RU" sz="1800" b="0" i="0" u="none" strike="noStrike" cap="none" normalizeH="0" baseline="0">
+              <a:t>&lt;</a:t>
+            </a:r>
+            <a:r>
+              <a:rPr kumimoji="0" lang="ru-RU" altLang="ru-RU" sz="1800" b="0" i="0" u="none" strike="noStrike" cap="none" normalizeH="0" baseline="0" dirty="0" err="1">
+                <a:ln>
+                  <a:noFill/>
+                </a:ln>
+                <a:solidFill>
+                  <a:srgbClr val="3B78E7"/>
+                </a:solidFill>
+                <a:effectLst/>
+                <a:latin typeface="Roboto Mono"/>
+              </a:rPr>
+              <a:t>TextView</a:t>
+            </a:r>
+            <a:r>
+              <a:rPr kumimoji="0" lang="ru-RU" altLang="ru-RU" sz="1800" b="0" i="0" u="none" strike="noStrike" cap="none" normalizeH="0" baseline="0" dirty="0">
                 <a:ln>
                   <a:noFill/>
                 </a:ln>
@@ -18731,7 +19137,7 @@
               <a:t> </a:t>
             </a:r>
             <a:r>
-              <a:rPr kumimoji="0" lang="ru-RU" altLang="ru-RU" sz="1800" b="0" i="0" u="none" strike="noStrike" cap="none" normalizeH="0" baseline="0">
+              <a:rPr kumimoji="0" lang="ru-RU" altLang="ru-RU" sz="1800" b="0" i="0" u="none" strike="noStrike" cap="none" normalizeH="0" baseline="0" dirty="0" err="1">
                 <a:ln>
                   <a:noFill/>
                 </a:ln>
@@ -18744,7 +19150,7 @@
               <a:t>android:layout_width</a:t>
             </a:r>
             <a:r>
-              <a:rPr kumimoji="0" lang="ru-RU" altLang="ru-RU" sz="1800" b="0" i="0" u="none" strike="noStrike" cap="none" normalizeH="0" baseline="0">
+              <a:rPr kumimoji="0" lang="ru-RU" altLang="ru-RU" sz="1800" b="0" i="0" u="none" strike="noStrike" cap="none" normalizeH="0" baseline="0" dirty="0">
                 <a:ln>
                   <a:noFill/>
                 </a:ln>
@@ -18757,7 +19163,7 @@
               <a:t>=</a:t>
             </a:r>
             <a:r>
-              <a:rPr kumimoji="0" lang="ru-RU" altLang="ru-RU" sz="1800" b="0" i="0" u="none" strike="noStrike" cap="none" normalizeH="0" baseline="0">
+              <a:rPr kumimoji="0" lang="ru-RU" altLang="ru-RU" sz="1800" b="0" i="0" u="none" strike="noStrike" cap="none" normalizeH="0" baseline="0" dirty="0">
                 <a:ln>
                   <a:noFill/>
                 </a:ln>
@@ -18767,10 +19173,36 @@
                 <a:effectLst/>
                 <a:latin typeface="Roboto Mono"/>
               </a:rPr>
-              <a:t>"wrap_content"</a:t>
+              <a:t>"</a:t>
+            </a:r>
+            <a:r>
+              <a:rPr kumimoji="0" lang="ru-RU" altLang="ru-RU" sz="1800" b="0" i="0" u="none" strike="noStrike" cap="none" normalizeH="0" baseline="0" dirty="0" err="1">
+                <a:ln>
+                  <a:noFill/>
+                </a:ln>
+                <a:solidFill>
+                  <a:srgbClr val="0D904F"/>
+                </a:solidFill>
+                <a:effectLst/>
+                <a:latin typeface="Roboto Mono"/>
+              </a:rPr>
+              <a:t>wrap_content</a:t>
+            </a:r>
+            <a:r>
+              <a:rPr kumimoji="0" lang="ru-RU" altLang="ru-RU" sz="1800" b="0" i="0" u="none" strike="noStrike" cap="none" normalizeH="0" baseline="0" dirty="0">
+                <a:ln>
+                  <a:noFill/>
+                </a:ln>
+                <a:solidFill>
+                  <a:srgbClr val="0D904F"/>
+                </a:solidFill>
+                <a:effectLst/>
+                <a:latin typeface="Roboto Mono"/>
+              </a:rPr>
+              <a:t>"</a:t>
             </a:r>
             <a:br>
-              <a:rPr kumimoji="0" lang="ru-RU" altLang="ru-RU" sz="1800" b="0" i="0" u="none" strike="noStrike" cap="none" normalizeH="0" baseline="0">
+              <a:rPr kumimoji="0" lang="ru-RU" altLang="ru-RU" sz="1800" b="0" i="0" u="none" strike="noStrike" cap="none" normalizeH="0" baseline="0" dirty="0">
                 <a:ln>
                   <a:noFill/>
                 </a:ln>
@@ -18782,7 +19214,7 @@
               </a:rPr>
             </a:br>
             <a:r>
-              <a:rPr kumimoji="0" lang="ru-RU" altLang="ru-RU" sz="1800" b="0" i="0" u="none" strike="noStrike" cap="none" normalizeH="0" baseline="0">
+              <a:rPr kumimoji="0" lang="ru-RU" altLang="ru-RU" sz="1800" b="0" i="0" u="none" strike="noStrike" cap="none" normalizeH="0" baseline="0" dirty="0">
                 <a:ln>
                   <a:noFill/>
                 </a:ln>
@@ -18795,7 +19227,7 @@
               <a:t>           </a:t>
             </a:r>
             <a:r>
-              <a:rPr kumimoji="0" lang="ru-RU" altLang="ru-RU" sz="1800" b="0" i="0" u="none" strike="noStrike" cap="none" normalizeH="0" baseline="0">
+              <a:rPr kumimoji="0" lang="ru-RU" altLang="ru-RU" sz="1800" b="0" i="0" u="none" strike="noStrike" cap="none" normalizeH="0" baseline="0" dirty="0" err="1">
                 <a:ln>
                   <a:noFill/>
                 </a:ln>
@@ -18808,7 +19240,7 @@
               <a:t>android:layout_height</a:t>
             </a:r>
             <a:r>
-              <a:rPr kumimoji="0" lang="ru-RU" altLang="ru-RU" sz="1800" b="0" i="0" u="none" strike="noStrike" cap="none" normalizeH="0" baseline="0">
+              <a:rPr kumimoji="0" lang="ru-RU" altLang="ru-RU" sz="1800" b="0" i="0" u="none" strike="noStrike" cap="none" normalizeH="0" baseline="0" dirty="0">
                 <a:ln>
                   <a:noFill/>
                 </a:ln>
@@ -18821,7 +19253,7 @@
               <a:t>=</a:t>
             </a:r>
             <a:r>
-              <a:rPr kumimoji="0" lang="ru-RU" altLang="ru-RU" sz="1800" b="0" i="0" u="none" strike="noStrike" cap="none" normalizeH="0" baseline="0">
+              <a:rPr kumimoji="0" lang="ru-RU" altLang="ru-RU" sz="1800" b="0" i="0" u="none" strike="noStrike" cap="none" normalizeH="0" baseline="0" dirty="0">
                 <a:ln>
                   <a:noFill/>
                 </a:ln>
@@ -18831,10 +19263,36 @@
                 <a:effectLst/>
                 <a:latin typeface="Roboto Mono"/>
               </a:rPr>
-              <a:t>"wrap_content"</a:t>
+              <a:t>"</a:t>
+            </a:r>
+            <a:r>
+              <a:rPr kumimoji="0" lang="ru-RU" altLang="ru-RU" sz="1800" b="0" i="0" u="none" strike="noStrike" cap="none" normalizeH="0" baseline="0" dirty="0" err="1">
+                <a:ln>
+                  <a:noFill/>
+                </a:ln>
+                <a:solidFill>
+                  <a:srgbClr val="0D904F"/>
+                </a:solidFill>
+                <a:effectLst/>
+                <a:latin typeface="Roboto Mono"/>
+              </a:rPr>
+              <a:t>wrap_content</a:t>
+            </a:r>
+            <a:r>
+              <a:rPr kumimoji="0" lang="ru-RU" altLang="ru-RU" sz="1800" b="0" i="0" u="none" strike="noStrike" cap="none" normalizeH="0" baseline="0" dirty="0">
+                <a:ln>
+                  <a:noFill/>
+                </a:ln>
+                <a:solidFill>
+                  <a:srgbClr val="0D904F"/>
+                </a:solidFill>
+                <a:effectLst/>
+                <a:latin typeface="Roboto Mono"/>
+              </a:rPr>
+              <a:t>"</a:t>
             </a:r>
             <a:br>
-              <a:rPr kumimoji="0" lang="ru-RU" altLang="ru-RU" sz="1800" b="0" i="0" u="none" strike="noStrike" cap="none" normalizeH="0" baseline="0">
+              <a:rPr kumimoji="0" lang="ru-RU" altLang="ru-RU" sz="1800" b="0" i="0" u="none" strike="noStrike" cap="none" normalizeH="0" baseline="0" dirty="0">
                 <a:ln>
                   <a:noFill/>
                 </a:ln>
@@ -18846,7 +19304,7 @@
               </a:rPr>
             </a:br>
             <a:r>
-              <a:rPr kumimoji="0" lang="ru-RU" altLang="ru-RU" sz="1800" b="0" i="0" u="none" strike="noStrike" cap="none" normalizeH="0" baseline="0">
+              <a:rPr kumimoji="0" lang="ru-RU" altLang="ru-RU" sz="1800" b="0" i="0" u="none" strike="noStrike" cap="none" normalizeH="0" baseline="0" dirty="0">
                 <a:ln>
                   <a:noFill/>
                 </a:ln>
@@ -18859,7 +19317,7 @@
               <a:t>           </a:t>
             </a:r>
             <a:r>
-              <a:rPr kumimoji="0" lang="ru-RU" altLang="ru-RU" sz="1800" b="0" i="0" u="none" strike="noStrike" cap="none" normalizeH="0" baseline="0">
+              <a:rPr kumimoji="0" lang="ru-RU" altLang="ru-RU" sz="1800" b="0" i="0" u="none" strike="noStrike" cap="none" normalizeH="0" baseline="0" dirty="0" err="1">
                 <a:ln>
                   <a:noFill/>
                 </a:ln>
@@ -18872,7 +19330,7 @@
               <a:t>android:text</a:t>
             </a:r>
             <a:r>
-              <a:rPr kumimoji="0" lang="ru-RU" altLang="ru-RU" sz="1800" b="0" i="0" u="none" strike="noStrike" cap="none" normalizeH="0" baseline="0">
+              <a:rPr kumimoji="0" lang="ru-RU" altLang="ru-RU" sz="1800" b="0" i="0" u="none" strike="noStrike" cap="none" normalizeH="0" baseline="0" dirty="0">
                 <a:ln>
                   <a:noFill/>
                 </a:ln>
@@ -18885,7 +19343,7 @@
               <a:t>=</a:t>
             </a:r>
             <a:r>
-              <a:rPr kumimoji="0" lang="ru-RU" altLang="ru-RU" sz="1800" b="0" i="0" u="none" strike="noStrike" cap="none" normalizeH="0" baseline="0">
+              <a:rPr kumimoji="0" lang="ru-RU" altLang="ru-RU" sz="1800" b="0" i="0" u="none" strike="noStrike" cap="none" normalizeH="0" baseline="0" dirty="0">
                 <a:ln>
                   <a:noFill/>
                 </a:ln>
@@ -18895,10 +19353,36 @@
                 <a:effectLst/>
                 <a:latin typeface="Roboto Mono"/>
               </a:rPr>
-              <a:t>"@{user.lastName}"</a:t>
-            </a:r>
-            <a:r>
-              <a:rPr kumimoji="0" lang="ru-RU" altLang="ru-RU" sz="1800" b="0" i="0" u="none" strike="noStrike" cap="none" normalizeH="0" baseline="0">
+              <a:t>"@{</a:t>
+            </a:r>
+            <a:r>
+              <a:rPr kumimoji="0" lang="ru-RU" altLang="ru-RU" sz="1800" b="0" i="0" u="none" strike="noStrike" cap="none" normalizeH="0" baseline="0" dirty="0" err="1">
+                <a:ln>
+                  <a:noFill/>
+                </a:ln>
+                <a:solidFill>
+                  <a:srgbClr val="0D904F"/>
+                </a:solidFill>
+                <a:effectLst/>
+                <a:latin typeface="Roboto Mono"/>
+              </a:rPr>
+              <a:t>user.lastName</a:t>
+            </a:r>
+            <a:r>
+              <a:rPr kumimoji="0" lang="ru-RU" altLang="ru-RU" sz="1800" b="0" i="0" u="none" strike="noStrike" cap="none" normalizeH="0" baseline="0" dirty="0">
+                <a:ln>
+                  <a:noFill/>
+                </a:ln>
+                <a:solidFill>
+                  <a:srgbClr val="0D904F"/>
+                </a:solidFill>
+                <a:effectLst/>
+                <a:latin typeface="Roboto Mono"/>
+              </a:rPr>
+              <a:t>}"</a:t>
+            </a:r>
+            <a:r>
+              <a:rPr kumimoji="0" lang="ru-RU" altLang="ru-RU" sz="1800" b="0" i="0" u="none" strike="noStrike" cap="none" normalizeH="0" baseline="0" dirty="0">
                 <a:ln>
                   <a:noFill/>
                 </a:ln>
@@ -18911,7 +19395,7 @@
               <a:t>/&gt;</a:t>
             </a:r>
             <a:br>
-              <a:rPr kumimoji="0" lang="ru-RU" altLang="ru-RU" sz="1800" b="0" i="0" u="none" strike="noStrike" cap="none" normalizeH="0" baseline="0">
+              <a:rPr kumimoji="0" lang="ru-RU" altLang="ru-RU" sz="1800" b="0" i="0" u="none" strike="noStrike" cap="none" normalizeH="0" baseline="0" dirty="0">
                 <a:ln>
                   <a:noFill/>
                 </a:ln>
@@ -18923,7 +19407,7 @@
               </a:rPr>
             </a:br>
             <a:r>
-              <a:rPr kumimoji="0" lang="ru-RU" altLang="ru-RU" sz="1800" b="0" i="0" u="none" strike="noStrike" cap="none" normalizeH="0" baseline="0">
+              <a:rPr kumimoji="0" lang="ru-RU" altLang="ru-RU" sz="1800" b="0" i="0" u="none" strike="noStrike" cap="none" normalizeH="0" baseline="0" dirty="0">
                 <a:ln>
                   <a:noFill/>
                 </a:ln>
@@ -18936,7 +19420,7 @@
               <a:t>   </a:t>
             </a:r>
             <a:r>
-              <a:rPr kumimoji="0" lang="ru-RU" altLang="ru-RU" sz="1800" b="0" i="0" u="none" strike="noStrike" cap="none" normalizeH="0" baseline="0">
+              <a:rPr kumimoji="0" lang="ru-RU" altLang="ru-RU" sz="1800" b="0" i="0" u="none" strike="noStrike" cap="none" normalizeH="0" baseline="0" dirty="0">
                 <a:ln>
                   <a:noFill/>
                 </a:ln>
@@ -18946,10 +19430,36 @@
                 <a:effectLst/>
                 <a:latin typeface="Roboto Mono"/>
               </a:rPr>
-              <a:t>&lt;/LinearLayout&gt;</a:t>
+              <a:t>&lt;/</a:t>
+            </a:r>
+            <a:r>
+              <a:rPr kumimoji="0" lang="ru-RU" altLang="ru-RU" sz="1800" b="0" i="0" u="none" strike="noStrike" cap="none" normalizeH="0" baseline="0" dirty="0" err="1">
+                <a:ln>
+                  <a:noFill/>
+                </a:ln>
+                <a:solidFill>
+                  <a:srgbClr val="3B78E7"/>
+                </a:solidFill>
+                <a:effectLst/>
+                <a:latin typeface="Roboto Mono"/>
+              </a:rPr>
+              <a:t>LinearLayout</a:t>
+            </a:r>
+            <a:r>
+              <a:rPr kumimoji="0" lang="ru-RU" altLang="ru-RU" sz="1800" b="0" i="0" u="none" strike="noStrike" cap="none" normalizeH="0" baseline="0" dirty="0">
+                <a:ln>
+                  <a:noFill/>
+                </a:ln>
+                <a:solidFill>
+                  <a:srgbClr val="3B78E7"/>
+                </a:solidFill>
+                <a:effectLst/>
+                <a:latin typeface="Roboto Mono"/>
+              </a:rPr>
+              <a:t>&gt;</a:t>
             </a:r>
             <a:br>
-              <a:rPr kumimoji="0" lang="ru-RU" altLang="ru-RU" sz="1800" b="0" i="0" u="none" strike="noStrike" cap="none" normalizeH="0" baseline="0">
+              <a:rPr kumimoji="0" lang="ru-RU" altLang="ru-RU" sz="1800" b="0" i="0" u="none" strike="noStrike" cap="none" normalizeH="0" baseline="0" dirty="0">
                 <a:ln>
                   <a:noFill/>
                 </a:ln>
@@ -18961,7 +19471,7 @@
               </a:rPr>
             </a:br>
             <a:r>
-              <a:rPr kumimoji="0" lang="ru-RU" altLang="ru-RU" sz="1800" b="0" i="0" u="none" strike="noStrike" cap="none" normalizeH="0" baseline="0">
+              <a:rPr kumimoji="0" lang="ru-RU" altLang="ru-RU" sz="1800" b="0" i="0" u="none" strike="noStrike" cap="none" normalizeH="0" baseline="0" dirty="0">
                 <a:ln>
                   <a:noFill/>
                 </a:ln>
@@ -18971,10 +19481,36 @@
                 <a:effectLst/>
                 <a:latin typeface="Roboto Mono"/>
               </a:rPr>
-              <a:t>&lt;/layout&gt;</a:t>
-            </a:r>
-            <a:r>
-              <a:rPr kumimoji="0" lang="ru-RU" altLang="ru-RU" sz="1200" b="0" i="0" u="none" strike="noStrike" cap="none" normalizeH="0" baseline="0">
+              <a:t>&lt;/</a:t>
+            </a:r>
+            <a:r>
+              <a:rPr kumimoji="0" lang="ru-RU" altLang="ru-RU" sz="1800" b="0" i="0" u="none" strike="noStrike" cap="none" normalizeH="0" baseline="0" dirty="0" err="1">
+                <a:ln>
+                  <a:noFill/>
+                </a:ln>
+                <a:solidFill>
+                  <a:srgbClr val="3B78E7"/>
+                </a:solidFill>
+                <a:effectLst/>
+                <a:latin typeface="Roboto Mono"/>
+              </a:rPr>
+              <a:t>layout</a:t>
+            </a:r>
+            <a:r>
+              <a:rPr kumimoji="0" lang="ru-RU" altLang="ru-RU" sz="1800" b="0" i="0" u="none" strike="noStrike" cap="none" normalizeH="0" baseline="0" dirty="0">
+                <a:ln>
+                  <a:noFill/>
+                </a:ln>
+                <a:solidFill>
+                  <a:srgbClr val="3B78E7"/>
+                </a:solidFill>
+                <a:effectLst/>
+                <a:latin typeface="Roboto Mono"/>
+              </a:rPr>
+              <a:t>&gt;</a:t>
+            </a:r>
+            <a:r>
+              <a:rPr kumimoji="0" lang="ru-RU" altLang="ru-RU" sz="1200" b="0" i="0" u="none" strike="noStrike" cap="none" normalizeH="0" baseline="0" dirty="0">
                 <a:ln>
                   <a:noFill/>
                 </a:ln>
@@ -18985,7 +19521,7 @@
               </a:rPr>
               <a:t> </a:t>
             </a:r>
-            <a:endParaRPr kumimoji="0" lang="ru-RU" altLang="ru-RU" sz="4000" b="0" i="0" u="none" strike="noStrike" cap="none" normalizeH="0" baseline="0">
+            <a:endParaRPr kumimoji="0" lang="ru-RU" altLang="ru-RU" sz="4000" b="0" i="0" u="none" strike="noStrike" cap="none" normalizeH="0" baseline="0" dirty="0">
               <a:ln>
                 <a:noFill/>
               </a:ln>
@@ -23102,14 +23638,7 @@
                 <a:latin typeface="Roboto Mono"/>
                 <a:hlinkClick r:id="rId2"/>
               </a:rPr>
-              <a:t>https://developer.android.com/topic/libraries/data-binding/generated-binding</a:t>
-            </a:r>
-            <a:r>
-              <a:rPr lang="en-US" altLang="ru-RU" sz="1050" dirty="0">
-                <a:latin typeface="Roboto Mono"/>
-                <a:hlinkClick r:id="rId2"/>
-              </a:rPr>
-              <a:t>#create</a:t>
+              <a:t>https://developer.android.com/topic/libraries/data-binding/generated-binding#create</a:t>
             </a:r>
             <a:r>
               <a:rPr lang="en-US" altLang="ru-RU" sz="1050" dirty="0">
@@ -26636,6 +27165,28 @@
       </p:grpSpPr>
       <p:sp>
         <p:nvSpPr>
+          <p:cNvPr id="2" name="Title 1"/>
+          <p:cNvSpPr>
+            <a:spLocks noGrp="1"/>
+          </p:cNvSpPr>
+          <p:nvPr>
+            <p:ph type="title"/>
+          </p:nvPr>
+        </p:nvSpPr>
+        <p:spPr/>
+        <p:txBody>
+          <a:bodyPr/>
+          <a:lstStyle/>
+          <a:p>
+            <a:r>
+              <a:rPr lang="en-US" sz="4000" dirty="0"/>
+              <a:t>Summary</a:t>
+            </a:r>
+          </a:p>
+        </p:txBody>
+      </p:sp>
+      <p:sp>
+        <p:nvSpPr>
           <p:cNvPr id="4" name="Date Placeholder 3"/>
           <p:cNvSpPr>
             <a:spLocks noGrp="1"/>
@@ -26716,10 +27267,10 @@
       </p:sp>
       <p:sp>
         <p:nvSpPr>
-          <p:cNvPr id="7" name="Подзаголовок 6">
+          <p:cNvPr id="8" name="Объект 7">
             <a:extLst>
               <a:ext uri="{FF2B5EF4-FFF2-40B4-BE49-F238E27FC236}">
-                <a16:creationId xmlns:a16="http://schemas.microsoft.com/office/drawing/2014/main" id="{899D1588-02BC-4FFD-9C93-12372D33EA01}"/>
+                <a16:creationId xmlns:a16="http://schemas.microsoft.com/office/drawing/2014/main" id="{8742EF32-F4A9-4ED2-A011-7A91AD757AC2}"/>
               </a:ext>
             </a:extLst>
           </p:cNvPr>
@@ -26727,83 +27278,128 @@
             <a:spLocks noGrp="1"/>
           </p:cNvSpPr>
           <p:nvPr>
-            <p:ph type="subTitle" idx="1"/>
-          </p:nvPr>
-        </p:nvSpPr>
-        <p:spPr/>
-        <p:txBody>
-          <a:bodyPr/>
-          <a:lstStyle/>
-          <a:p>
-            <a:endParaRPr lang="ru-RU" dirty="0"/>
-          </a:p>
-        </p:txBody>
-      </p:sp>
-      <p:sp>
-        <p:nvSpPr>
-          <p:cNvPr id="10" name="Заголовок 9">
-            <a:extLst>
-              <a:ext uri="{FF2B5EF4-FFF2-40B4-BE49-F238E27FC236}">
-                <a16:creationId xmlns:a16="http://schemas.microsoft.com/office/drawing/2014/main" id="{FA8B689B-8522-4E14-99EA-10D0F30A305D}"/>
-              </a:ext>
-            </a:extLst>
-          </p:cNvPr>
-          <p:cNvSpPr>
-            <a:spLocks noGrp="1"/>
-          </p:cNvSpPr>
-          <p:nvPr>
-            <p:ph type="ctrTitle"/>
-          </p:nvPr>
-        </p:nvSpPr>
-        <p:spPr/>
-        <p:txBody>
-          <a:bodyPr/>
-          <a:lstStyle/>
-          <a:p>
-            <a:r>
-              <a:rPr lang="en-US" dirty="0" err="1"/>
-              <a:t>ViewModel</a:t>
-            </a:r>
-            <a:r>
-              <a:rPr lang="en-US" dirty="0"/>
-              <a:t> </a:t>
-            </a:r>
-            <a:endParaRPr lang="ru-RU" dirty="0"/>
-          </a:p>
-        </p:txBody>
-      </p:sp>
-      <p:sp>
-        <p:nvSpPr>
-          <p:cNvPr id="11" name="Прямоугольник 10">
-            <a:extLst>
-              <a:ext uri="{FF2B5EF4-FFF2-40B4-BE49-F238E27FC236}">
-                <a16:creationId xmlns:a16="http://schemas.microsoft.com/office/drawing/2014/main" id="{7767697F-FDE5-4D50-9F5D-B234DD278D43}"/>
-              </a:ext>
-            </a:extLst>
-          </p:cNvPr>
-          <p:cNvSpPr/>
-          <p:nvPr/>
-        </p:nvSpPr>
-        <p:spPr>
-          <a:xfrm>
-            <a:off x="908720" y="3168650"/>
-            <a:ext cx="7326560" cy="369332"/>
-          </a:xfrm>
-          <a:prstGeom prst="rect">
-            <a:avLst/>
-          </a:prstGeom>
-        </p:spPr>
-        <p:txBody>
-          <a:bodyPr wrap="square">
-            <a:spAutoFit/>
+            <p:ph idx="1"/>
+          </p:nvPr>
+        </p:nvSpPr>
+        <p:spPr/>
+        <p:txBody>
+          <a:bodyPr>
+            <a:normAutofit fontScale="85000" lnSpcReduction="20000"/>
           </a:bodyPr>
           <a:lstStyle/>
           <a:p>
             <a:r>
-              <a:rPr lang="en-US" dirty="0">
-                <a:hlinkClick r:id="rId2"/>
-              </a:rPr>
-              <a:t>https://developer.android.com/topic/libraries/architecture/viewmodel</a:t>
+              <a:rPr lang="en-US" dirty="0"/>
+              <a:t>Life</a:t>
+            </a:r>
+            <a:r>
+              <a:rPr lang="ru-RU" dirty="0"/>
+              <a:t>с</a:t>
+            </a:r>
+            <a:r>
+              <a:rPr lang="en-US" dirty="0" err="1"/>
+              <a:t>ycleOwner</a:t>
+            </a:r>
+            <a:endParaRPr lang="en-US" dirty="0"/>
+          </a:p>
+          <a:p>
+            <a:pPr lvl="1"/>
+            <a:r>
+              <a:rPr lang="ru-RU" dirty="0"/>
+              <a:t>Тот, кто может дать ссылку на </a:t>
+            </a:r>
+            <a:r>
+              <a:rPr lang="en-US"/>
+              <a:t>Lifecycle</a:t>
+            </a:r>
+            <a:endParaRPr lang="en-US" dirty="0"/>
+          </a:p>
+          <a:p>
+            <a:r>
+              <a:rPr lang="en-US" dirty="0"/>
+              <a:t>Life</a:t>
+            </a:r>
+            <a:r>
+              <a:rPr lang="ru-RU" dirty="0"/>
+              <a:t>с</a:t>
+            </a:r>
+            <a:r>
+              <a:rPr lang="en-US" dirty="0" err="1"/>
+              <a:t>ycle</a:t>
+            </a:r>
+            <a:endParaRPr lang="ru-RU" dirty="0"/>
+          </a:p>
+          <a:p>
+            <a:pPr lvl="1"/>
+            <a:r>
+              <a:rPr lang="ru-RU" dirty="0"/>
+              <a:t>Абстрактное представление жизненного цикла</a:t>
+            </a:r>
+          </a:p>
+          <a:p>
+            <a:r>
+              <a:rPr lang="en-US" dirty="0"/>
+              <a:t>Observer</a:t>
+            </a:r>
+          </a:p>
+          <a:p>
+            <a:pPr lvl="1"/>
+            <a:r>
+              <a:rPr lang="ru-RU" dirty="0"/>
+              <a:t>Паттерн проектирования</a:t>
+            </a:r>
+          </a:p>
+          <a:p>
+            <a:r>
+              <a:rPr lang="en-US" dirty="0" err="1"/>
+              <a:t>LifecycleObserver</a:t>
+            </a:r>
+            <a:endParaRPr lang="ru-RU" dirty="0"/>
+          </a:p>
+          <a:p>
+            <a:pPr lvl="1"/>
+            <a:r>
+              <a:rPr lang="ru-RU" dirty="0"/>
+              <a:t>Тот, кто хочет получать уведомления об изменении </a:t>
+            </a:r>
+            <a:r>
+              <a:rPr lang="en-US" dirty="0"/>
+              <a:t>Life</a:t>
+            </a:r>
+            <a:r>
+              <a:rPr lang="ru-RU" dirty="0"/>
+              <a:t>с</a:t>
+            </a:r>
+            <a:r>
+              <a:rPr lang="en-US" dirty="0" err="1"/>
+              <a:t>ycle</a:t>
+            </a:r>
+            <a:endParaRPr lang="ru-RU" dirty="0"/>
+          </a:p>
+          <a:p>
+            <a:r>
+              <a:rPr lang="en-US" dirty="0" err="1"/>
+              <a:t>LiveData</a:t>
+            </a:r>
+            <a:endParaRPr lang="en-US" dirty="0"/>
+          </a:p>
+          <a:p>
+            <a:pPr lvl="1"/>
+            <a:r>
+              <a:rPr lang="ru-RU" dirty="0"/>
+              <a:t>Объект с состоянием, который можно безопасно наблюдать</a:t>
+            </a:r>
+            <a:r>
+              <a:rPr lang="en-US" dirty="0"/>
+              <a:t> (Observe)</a:t>
+            </a:r>
+            <a:r>
+              <a:rPr lang="ru-RU" dirty="0"/>
+              <a:t> из объекта с </a:t>
+            </a:r>
+            <a:r>
+              <a:rPr lang="en-US" dirty="0"/>
+              <a:t>Lifecycle</a:t>
             </a:r>
             <a:endParaRPr lang="ru-RU" dirty="0"/>
           </a:p>
@@ -26812,7 +27408,7 @@
     </p:spTree>
     <p:extLst>
       <p:ext uri="{BB962C8B-B14F-4D97-AF65-F5344CB8AC3E}">
-        <p14:creationId xmlns:p14="http://schemas.microsoft.com/office/powerpoint/2010/main" val="2721149164"/>
+        <p14:creationId xmlns:p14="http://schemas.microsoft.com/office/powerpoint/2010/main" val="2008788541"/>
       </p:ext>
     </p:extLst>
   </p:cSld>
@@ -26852,6 +27448,722 @@
       </p:grpSpPr>
       <p:sp>
         <p:nvSpPr>
+          <p:cNvPr id="2" name="Title 1"/>
+          <p:cNvSpPr>
+            <a:spLocks noGrp="1"/>
+          </p:cNvSpPr>
+          <p:nvPr>
+            <p:ph type="title"/>
+          </p:nvPr>
+        </p:nvSpPr>
+        <p:spPr/>
+        <p:txBody>
+          <a:bodyPr/>
+          <a:lstStyle/>
+          <a:p>
+            <a:r>
+              <a:rPr lang="ru-RU" sz="4000" dirty="0"/>
+              <a:t>Особенности </a:t>
+            </a:r>
+            <a:r>
+              <a:rPr lang="en-US" sz="4000" dirty="0" err="1"/>
+              <a:t>LiveData</a:t>
+            </a:r>
+            <a:endParaRPr lang="en-US" sz="4000" dirty="0"/>
+          </a:p>
+        </p:txBody>
+      </p:sp>
+      <p:sp>
+        <p:nvSpPr>
+          <p:cNvPr id="4" name="Date Placeholder 3"/>
+          <p:cNvSpPr>
+            <a:spLocks noGrp="1"/>
+          </p:cNvSpPr>
+          <p:nvPr>
+            <p:ph type="dt" sz="half" idx="10"/>
+          </p:nvPr>
+        </p:nvSpPr>
+        <p:spPr/>
+        <p:txBody>
+          <a:bodyPr/>
+          <a:lstStyle/>
+          <a:p>
+            <a:pPr>
+              <a:defRPr/>
+            </a:pPr>
+            <a:r>
+              <a:rPr lang="ru-RU"/>
+              <a:t>26.09.2019</a:t>
+            </a:r>
+            <a:endParaRPr lang="en-US" dirty="0"/>
+          </a:p>
+        </p:txBody>
+      </p:sp>
+      <p:sp>
+        <p:nvSpPr>
+          <p:cNvPr id="5" name="Footer Placeholder 4"/>
+          <p:cNvSpPr>
+            <a:spLocks noGrp="1"/>
+          </p:cNvSpPr>
+          <p:nvPr>
+            <p:ph type="ftr" sz="quarter" idx="11"/>
+          </p:nvPr>
+        </p:nvSpPr>
+        <p:spPr/>
+        <p:txBody>
+          <a:bodyPr/>
+          <a:lstStyle/>
+          <a:p>
+            <a:pPr>
+              <a:defRPr/>
+            </a:pPr>
+            <a:r>
+              <a:rPr lang="en-US"/>
+              <a:t>Creative Commons Attribution-ShareAlike 3.0</a:t>
+            </a:r>
+          </a:p>
+        </p:txBody>
+      </p:sp>
+      <p:sp>
+        <p:nvSpPr>
+          <p:cNvPr id="6" name="Slide Number Placeholder 5"/>
+          <p:cNvSpPr>
+            <a:spLocks noGrp="1"/>
+          </p:cNvSpPr>
+          <p:nvPr>
+            <p:ph type="sldNum" sz="quarter" idx="12"/>
+          </p:nvPr>
+        </p:nvSpPr>
+        <p:spPr/>
+        <p:txBody>
+          <a:bodyPr/>
+          <a:lstStyle/>
+          <a:p>
+            <a:pPr>
+              <a:defRPr/>
+            </a:pPr>
+            <a:fld id="{813AAD51-F136-4F79-9D4E-C225B868444E}" type="slidenum">
+              <a:rPr lang="en-US" smtClean="0"/>
+              <a:pPr>
+                <a:defRPr/>
+              </a:pPr>
+              <a:t>35</a:t>
+            </a:fld>
+            <a:endParaRPr lang="en-US"/>
+          </a:p>
+        </p:txBody>
+      </p:sp>
+      <p:sp>
+        <p:nvSpPr>
+          <p:cNvPr id="8" name="Объект 7">
+            <a:extLst>
+              <a:ext uri="{FF2B5EF4-FFF2-40B4-BE49-F238E27FC236}">
+                <a16:creationId xmlns:a16="http://schemas.microsoft.com/office/drawing/2014/main" id="{8742EF32-F4A9-4ED2-A011-7A91AD757AC2}"/>
+              </a:ext>
+            </a:extLst>
+          </p:cNvPr>
+          <p:cNvSpPr>
+            <a:spLocks noGrp="1"/>
+          </p:cNvSpPr>
+          <p:nvPr>
+            <p:ph idx="1"/>
+          </p:nvPr>
+        </p:nvSpPr>
+        <p:spPr/>
+        <p:txBody>
+          <a:bodyPr>
+            <a:normAutofit/>
+          </a:bodyPr>
+          <a:lstStyle/>
+          <a:p>
+            <a:r>
+              <a:rPr lang="ru-RU" dirty="0"/>
+              <a:t>Проблема</a:t>
+            </a:r>
+          </a:p>
+          <a:p>
+            <a:pPr lvl="1"/>
+            <a:r>
+              <a:rPr lang="ru-RU" dirty="0"/>
+              <a:t>Если наблюдатель обновляет </a:t>
+            </a:r>
+            <a:r>
+              <a:rPr lang="en-US" dirty="0"/>
+              <a:t>UI </a:t>
+            </a:r>
+            <a:r>
+              <a:rPr lang="ru-RU" dirty="0"/>
+              <a:t>на основе наблюдаемого состояния (</a:t>
+            </a:r>
+            <a:r>
+              <a:rPr lang="en-US" dirty="0"/>
+              <a:t>e.g. </a:t>
+            </a:r>
+            <a:r>
+              <a:rPr lang="en-US" dirty="0" err="1"/>
+              <a:t>DataBinding</a:t>
+            </a:r>
+            <a:r>
+              <a:rPr lang="en-US" dirty="0"/>
+              <a:t>)</a:t>
+            </a:r>
+            <a:endParaRPr lang="ru-RU" dirty="0"/>
+          </a:p>
+          <a:p>
+            <a:pPr lvl="1"/>
+            <a:r>
+              <a:rPr lang="ru-RU" dirty="0"/>
+              <a:t>и не учитывать состояние </a:t>
+            </a:r>
+            <a:r>
+              <a:rPr lang="en-US" dirty="0"/>
+              <a:t>(Lifecycle) </a:t>
+            </a:r>
+            <a:r>
+              <a:rPr lang="ru-RU" dirty="0"/>
+              <a:t>наблюдателя</a:t>
+            </a:r>
+            <a:r>
+              <a:rPr lang="en-US" dirty="0"/>
+              <a:t>, </a:t>
+            </a:r>
+            <a:r>
+              <a:rPr lang="ru-RU" dirty="0"/>
+              <a:t>при уведомлении об изменении состояния (</a:t>
+            </a:r>
+            <a:r>
+              <a:rPr lang="en-US" dirty="0" err="1"/>
+              <a:t>LiveData</a:t>
+            </a:r>
+            <a:r>
+              <a:rPr lang="en-US" dirty="0"/>
+              <a:t>)</a:t>
+            </a:r>
+          </a:p>
+          <a:p>
+            <a:pPr lvl="1"/>
+            <a:r>
+              <a:rPr lang="ru-RU" dirty="0"/>
+              <a:t>обновление может прийти в момент, когда </a:t>
+            </a:r>
+            <a:r>
+              <a:rPr lang="en-US" dirty="0"/>
+              <a:t>Activity </a:t>
+            </a:r>
+            <a:r>
+              <a:rPr lang="ru-RU" dirty="0"/>
+              <a:t>в состоянии </a:t>
+            </a:r>
+            <a:r>
+              <a:rPr lang="en-US" dirty="0"/>
+              <a:t>stopped, </a:t>
+            </a:r>
+            <a:r>
+              <a:rPr lang="ru-RU" dirty="0"/>
+              <a:t>и обновление </a:t>
+            </a:r>
+            <a:r>
+              <a:rPr lang="en-US" dirty="0"/>
+              <a:t>UI </a:t>
+            </a:r>
+            <a:r>
+              <a:rPr lang="ru-RU" dirty="0"/>
+              <a:t>будет утеряно (либо возникнет исключение)</a:t>
+            </a:r>
+          </a:p>
+        </p:txBody>
+      </p:sp>
+    </p:spTree>
+    <p:extLst>
+      <p:ext uri="{BB962C8B-B14F-4D97-AF65-F5344CB8AC3E}">
+        <p14:creationId xmlns:p14="http://schemas.microsoft.com/office/powerpoint/2010/main" val="2776390339"/>
+      </p:ext>
+    </p:extLst>
+  </p:cSld>
+  <p:clrMapOvr>
+    <a:masterClrMapping/>
+  </p:clrMapOvr>
+</p:sld>
+</file>
+
+<file path=ppt/slides/slide36.xml><?xml version="1.0" encoding="utf-8"?>
+<p:sld xmlns:a="http://schemas.openxmlformats.org/drawingml/2006/main" xmlns:r="http://schemas.openxmlformats.org/officeDocument/2006/relationships" xmlns:p="http://schemas.openxmlformats.org/presentationml/2006/main">
+  <p:cSld>
+    <p:bg>
+      <p:bgPr>
+        <a:solidFill>
+          <a:schemeClr val="accent5">
+            <a:lumMod val="20000"/>
+            <a:lumOff val="80000"/>
+          </a:schemeClr>
+        </a:solidFill>
+        <a:effectLst/>
+      </p:bgPr>
+    </p:bg>
+    <p:spTree>
+      <p:nvGrpSpPr>
+        <p:cNvPr id="1" name=""/>
+        <p:cNvGrpSpPr/>
+        <p:nvPr/>
+      </p:nvGrpSpPr>
+      <p:grpSpPr>
+        <a:xfrm>
+          <a:off x="0" y="0"/>
+          <a:ext cx="0" cy="0"/>
+          <a:chOff x="0" y="0"/>
+          <a:chExt cx="0" cy="0"/>
+        </a:xfrm>
+      </p:grpSpPr>
+      <p:sp>
+        <p:nvSpPr>
+          <p:cNvPr id="2" name="Title 1"/>
+          <p:cNvSpPr>
+            <a:spLocks noGrp="1"/>
+          </p:cNvSpPr>
+          <p:nvPr>
+            <p:ph type="title"/>
+          </p:nvPr>
+        </p:nvSpPr>
+        <p:spPr/>
+        <p:txBody>
+          <a:bodyPr/>
+          <a:lstStyle/>
+          <a:p>
+            <a:r>
+              <a:rPr lang="ru-RU" sz="4000" dirty="0"/>
+              <a:t>Особенности </a:t>
+            </a:r>
+            <a:r>
+              <a:rPr lang="en-US" sz="4000" dirty="0" err="1"/>
+              <a:t>LiveData</a:t>
+            </a:r>
+            <a:endParaRPr lang="en-US" sz="4000" dirty="0"/>
+          </a:p>
+        </p:txBody>
+      </p:sp>
+      <p:sp>
+        <p:nvSpPr>
+          <p:cNvPr id="4" name="Date Placeholder 3"/>
+          <p:cNvSpPr>
+            <a:spLocks noGrp="1"/>
+          </p:cNvSpPr>
+          <p:nvPr>
+            <p:ph type="dt" sz="half" idx="10"/>
+          </p:nvPr>
+        </p:nvSpPr>
+        <p:spPr/>
+        <p:txBody>
+          <a:bodyPr/>
+          <a:lstStyle/>
+          <a:p>
+            <a:pPr>
+              <a:defRPr/>
+            </a:pPr>
+            <a:r>
+              <a:rPr lang="ru-RU"/>
+              <a:t>26.09.2019</a:t>
+            </a:r>
+            <a:endParaRPr lang="en-US" dirty="0"/>
+          </a:p>
+        </p:txBody>
+      </p:sp>
+      <p:sp>
+        <p:nvSpPr>
+          <p:cNvPr id="5" name="Footer Placeholder 4"/>
+          <p:cNvSpPr>
+            <a:spLocks noGrp="1"/>
+          </p:cNvSpPr>
+          <p:nvPr>
+            <p:ph type="ftr" sz="quarter" idx="11"/>
+          </p:nvPr>
+        </p:nvSpPr>
+        <p:spPr/>
+        <p:txBody>
+          <a:bodyPr/>
+          <a:lstStyle/>
+          <a:p>
+            <a:pPr>
+              <a:defRPr/>
+            </a:pPr>
+            <a:r>
+              <a:rPr lang="en-US"/>
+              <a:t>Creative Commons Attribution-ShareAlike 3.0</a:t>
+            </a:r>
+          </a:p>
+        </p:txBody>
+      </p:sp>
+      <p:sp>
+        <p:nvSpPr>
+          <p:cNvPr id="6" name="Slide Number Placeholder 5"/>
+          <p:cNvSpPr>
+            <a:spLocks noGrp="1"/>
+          </p:cNvSpPr>
+          <p:nvPr>
+            <p:ph type="sldNum" sz="quarter" idx="12"/>
+          </p:nvPr>
+        </p:nvSpPr>
+        <p:spPr/>
+        <p:txBody>
+          <a:bodyPr/>
+          <a:lstStyle/>
+          <a:p>
+            <a:pPr>
+              <a:defRPr/>
+            </a:pPr>
+            <a:fld id="{813AAD51-F136-4F79-9D4E-C225B868444E}" type="slidenum">
+              <a:rPr lang="en-US" smtClean="0"/>
+              <a:pPr>
+                <a:defRPr/>
+              </a:pPr>
+              <a:t>36</a:t>
+            </a:fld>
+            <a:endParaRPr lang="en-US"/>
+          </a:p>
+        </p:txBody>
+      </p:sp>
+      <p:sp>
+        <p:nvSpPr>
+          <p:cNvPr id="8" name="Объект 7">
+            <a:extLst>
+              <a:ext uri="{FF2B5EF4-FFF2-40B4-BE49-F238E27FC236}">
+                <a16:creationId xmlns:a16="http://schemas.microsoft.com/office/drawing/2014/main" id="{8742EF32-F4A9-4ED2-A011-7A91AD757AC2}"/>
+              </a:ext>
+            </a:extLst>
+          </p:cNvPr>
+          <p:cNvSpPr>
+            <a:spLocks noGrp="1"/>
+          </p:cNvSpPr>
+          <p:nvPr>
+            <p:ph idx="1"/>
+          </p:nvPr>
+        </p:nvSpPr>
+        <p:spPr/>
+        <p:txBody>
+          <a:bodyPr>
+            <a:normAutofit/>
+          </a:bodyPr>
+          <a:lstStyle/>
+          <a:p>
+            <a:r>
+              <a:rPr lang="ru-RU" dirty="0"/>
+              <a:t>Проблема</a:t>
+            </a:r>
+          </a:p>
+          <a:p>
+            <a:r>
+              <a:rPr lang="ru-RU" dirty="0"/>
+              <a:t>Решение</a:t>
+            </a:r>
+          </a:p>
+          <a:p>
+            <a:pPr lvl="1"/>
+            <a:r>
+              <a:rPr lang="ru-RU" dirty="0"/>
+              <a:t>Учитывать состояние наблюдателя:</a:t>
+            </a:r>
+          </a:p>
+          <a:p>
+            <a:pPr lvl="2"/>
+            <a:r>
+              <a:rPr lang="ru-RU" dirty="0"/>
+              <a:t>Нет обновлений в состоянии </a:t>
+            </a:r>
+            <a:r>
+              <a:rPr lang="en-US" dirty="0"/>
+              <a:t>STOPPED</a:t>
+            </a:r>
+          </a:p>
+          <a:p>
+            <a:pPr lvl="2"/>
+            <a:r>
+              <a:rPr lang="ru-RU" dirty="0"/>
+              <a:t>При переходе в состояние </a:t>
+            </a:r>
+            <a:r>
+              <a:rPr lang="en-US" dirty="0"/>
+              <a:t>STARTED </a:t>
+            </a:r>
+            <a:r>
+              <a:rPr lang="ru-RU" dirty="0"/>
+              <a:t>получает текущее состояние</a:t>
+            </a:r>
+          </a:p>
+          <a:p>
+            <a:pPr lvl="2"/>
+            <a:r>
+              <a:rPr lang="ru-RU" dirty="0"/>
+              <a:t>При переходе в состояние </a:t>
+            </a:r>
+            <a:r>
+              <a:rPr lang="en-US" dirty="0"/>
+              <a:t>DESTROYED </a:t>
+            </a:r>
+            <a:r>
+              <a:rPr lang="ru-RU" dirty="0"/>
+              <a:t>освобождаются ссылки на наблюдателя</a:t>
+            </a:r>
+          </a:p>
+        </p:txBody>
+      </p:sp>
+    </p:spTree>
+    <p:extLst>
+      <p:ext uri="{BB962C8B-B14F-4D97-AF65-F5344CB8AC3E}">
+        <p14:creationId xmlns:p14="http://schemas.microsoft.com/office/powerpoint/2010/main" val="4177312248"/>
+      </p:ext>
+    </p:extLst>
+  </p:cSld>
+  <p:clrMapOvr>
+    <a:masterClrMapping/>
+  </p:clrMapOvr>
+</p:sld>
+</file>
+
+<file path=ppt/slides/slide37.xml><?xml version="1.0" encoding="utf-8"?>
+<p:sld xmlns:a="http://schemas.openxmlformats.org/drawingml/2006/main" xmlns:r="http://schemas.openxmlformats.org/officeDocument/2006/relationships" xmlns:p="http://schemas.openxmlformats.org/presentationml/2006/main">
+  <p:cSld>
+    <p:bg>
+      <p:bgPr>
+        <a:solidFill>
+          <a:schemeClr val="accent5">
+            <a:lumMod val="20000"/>
+            <a:lumOff val="80000"/>
+          </a:schemeClr>
+        </a:solidFill>
+        <a:effectLst/>
+      </p:bgPr>
+    </p:bg>
+    <p:spTree>
+      <p:nvGrpSpPr>
+        <p:cNvPr id="1" name=""/>
+        <p:cNvGrpSpPr/>
+        <p:nvPr/>
+      </p:nvGrpSpPr>
+      <p:grpSpPr>
+        <a:xfrm>
+          <a:off x="0" y="0"/>
+          <a:ext cx="0" cy="0"/>
+          <a:chOff x="0" y="0"/>
+          <a:chExt cx="0" cy="0"/>
+        </a:xfrm>
+      </p:grpSpPr>
+      <p:sp>
+        <p:nvSpPr>
+          <p:cNvPr id="4" name="Date Placeholder 3"/>
+          <p:cNvSpPr>
+            <a:spLocks noGrp="1"/>
+          </p:cNvSpPr>
+          <p:nvPr>
+            <p:ph type="dt" sz="half" idx="10"/>
+          </p:nvPr>
+        </p:nvSpPr>
+        <p:spPr/>
+        <p:txBody>
+          <a:bodyPr/>
+          <a:lstStyle/>
+          <a:p>
+            <a:pPr>
+              <a:defRPr/>
+            </a:pPr>
+            <a:r>
+              <a:rPr lang="ru-RU"/>
+              <a:t>26.09.2019</a:t>
+            </a:r>
+            <a:endParaRPr lang="en-US" dirty="0"/>
+          </a:p>
+        </p:txBody>
+      </p:sp>
+      <p:sp>
+        <p:nvSpPr>
+          <p:cNvPr id="5" name="Footer Placeholder 4"/>
+          <p:cNvSpPr>
+            <a:spLocks noGrp="1"/>
+          </p:cNvSpPr>
+          <p:nvPr>
+            <p:ph type="ftr" sz="quarter" idx="11"/>
+          </p:nvPr>
+        </p:nvSpPr>
+        <p:spPr/>
+        <p:txBody>
+          <a:bodyPr/>
+          <a:lstStyle/>
+          <a:p>
+            <a:pPr>
+              <a:defRPr/>
+            </a:pPr>
+            <a:r>
+              <a:rPr lang="en-US"/>
+              <a:t>Creative Commons Attribution-ShareAlike 3.0</a:t>
+            </a:r>
+          </a:p>
+        </p:txBody>
+      </p:sp>
+      <p:sp>
+        <p:nvSpPr>
+          <p:cNvPr id="6" name="Slide Number Placeholder 5"/>
+          <p:cNvSpPr>
+            <a:spLocks noGrp="1"/>
+          </p:cNvSpPr>
+          <p:nvPr>
+            <p:ph type="sldNum" sz="quarter" idx="12"/>
+          </p:nvPr>
+        </p:nvSpPr>
+        <p:spPr/>
+        <p:txBody>
+          <a:bodyPr/>
+          <a:lstStyle/>
+          <a:p>
+            <a:pPr>
+              <a:defRPr/>
+            </a:pPr>
+            <a:fld id="{813AAD51-F136-4F79-9D4E-C225B868444E}" type="slidenum">
+              <a:rPr lang="en-US" smtClean="0"/>
+              <a:pPr>
+                <a:defRPr/>
+              </a:pPr>
+              <a:t>37</a:t>
+            </a:fld>
+            <a:endParaRPr lang="en-US"/>
+          </a:p>
+        </p:txBody>
+      </p:sp>
+      <p:sp>
+        <p:nvSpPr>
+          <p:cNvPr id="7" name="Подзаголовок 6">
+            <a:extLst>
+              <a:ext uri="{FF2B5EF4-FFF2-40B4-BE49-F238E27FC236}">
+                <a16:creationId xmlns:a16="http://schemas.microsoft.com/office/drawing/2014/main" id="{899D1588-02BC-4FFD-9C93-12372D33EA01}"/>
+              </a:ext>
+            </a:extLst>
+          </p:cNvPr>
+          <p:cNvSpPr>
+            <a:spLocks noGrp="1"/>
+          </p:cNvSpPr>
+          <p:nvPr>
+            <p:ph type="subTitle" idx="1"/>
+          </p:nvPr>
+        </p:nvSpPr>
+        <p:spPr/>
+        <p:txBody>
+          <a:bodyPr/>
+          <a:lstStyle/>
+          <a:p>
+            <a:endParaRPr lang="ru-RU" dirty="0"/>
+          </a:p>
+        </p:txBody>
+      </p:sp>
+      <p:sp>
+        <p:nvSpPr>
+          <p:cNvPr id="10" name="Заголовок 9">
+            <a:extLst>
+              <a:ext uri="{FF2B5EF4-FFF2-40B4-BE49-F238E27FC236}">
+                <a16:creationId xmlns:a16="http://schemas.microsoft.com/office/drawing/2014/main" id="{FA8B689B-8522-4E14-99EA-10D0F30A305D}"/>
+              </a:ext>
+            </a:extLst>
+          </p:cNvPr>
+          <p:cNvSpPr>
+            <a:spLocks noGrp="1"/>
+          </p:cNvSpPr>
+          <p:nvPr>
+            <p:ph type="ctrTitle"/>
+          </p:nvPr>
+        </p:nvSpPr>
+        <p:spPr/>
+        <p:txBody>
+          <a:bodyPr/>
+          <a:lstStyle/>
+          <a:p>
+            <a:r>
+              <a:rPr lang="en-US" dirty="0" err="1"/>
+              <a:t>ViewModel</a:t>
+            </a:r>
+            <a:r>
+              <a:rPr lang="en-US" dirty="0"/>
+              <a:t> </a:t>
+            </a:r>
+            <a:endParaRPr lang="ru-RU" dirty="0"/>
+          </a:p>
+        </p:txBody>
+      </p:sp>
+      <p:sp>
+        <p:nvSpPr>
+          <p:cNvPr id="11" name="Прямоугольник 10">
+            <a:extLst>
+              <a:ext uri="{FF2B5EF4-FFF2-40B4-BE49-F238E27FC236}">
+                <a16:creationId xmlns:a16="http://schemas.microsoft.com/office/drawing/2014/main" id="{7767697F-FDE5-4D50-9F5D-B234DD278D43}"/>
+              </a:ext>
+            </a:extLst>
+          </p:cNvPr>
+          <p:cNvSpPr/>
+          <p:nvPr/>
+        </p:nvSpPr>
+        <p:spPr>
+          <a:xfrm>
+            <a:off x="908720" y="3168650"/>
+            <a:ext cx="7326560" cy="369332"/>
+          </a:xfrm>
+          <a:prstGeom prst="rect">
+            <a:avLst/>
+          </a:prstGeom>
+        </p:spPr>
+        <p:txBody>
+          <a:bodyPr wrap="square">
+            <a:spAutoFit/>
+          </a:bodyPr>
+          <a:lstStyle/>
+          <a:p>
+            <a:r>
+              <a:rPr lang="en-US" dirty="0">
+                <a:hlinkClick r:id="rId2"/>
+              </a:rPr>
+              <a:t>https://developer.android.com/topic/libraries/architecture/viewmodel</a:t>
+            </a:r>
+            <a:endParaRPr lang="ru-RU" dirty="0"/>
+          </a:p>
+        </p:txBody>
+      </p:sp>
+    </p:spTree>
+    <p:extLst>
+      <p:ext uri="{BB962C8B-B14F-4D97-AF65-F5344CB8AC3E}">
+        <p14:creationId xmlns:p14="http://schemas.microsoft.com/office/powerpoint/2010/main" val="2721149164"/>
+      </p:ext>
+    </p:extLst>
+  </p:cSld>
+  <p:clrMapOvr>
+    <a:masterClrMapping/>
+  </p:clrMapOvr>
+</p:sld>
+</file>
+
+<file path=ppt/slides/slide38.xml><?xml version="1.0" encoding="utf-8"?>
+<p:sld xmlns:a="http://schemas.openxmlformats.org/drawingml/2006/main" xmlns:r="http://schemas.openxmlformats.org/officeDocument/2006/relationships" xmlns:p="http://schemas.openxmlformats.org/presentationml/2006/main">
+  <p:cSld>
+    <p:bg>
+      <p:bgPr>
+        <a:solidFill>
+          <a:schemeClr val="accent5">
+            <a:lumMod val="20000"/>
+            <a:lumOff val="80000"/>
+          </a:schemeClr>
+        </a:solidFill>
+        <a:effectLst/>
+      </p:bgPr>
+    </p:bg>
+    <p:spTree>
+      <p:nvGrpSpPr>
+        <p:cNvPr id="1" name=""/>
+        <p:cNvGrpSpPr/>
+        <p:nvPr/>
+      </p:nvGrpSpPr>
+      <p:grpSpPr>
+        <a:xfrm>
+          <a:off x="0" y="0"/>
+          <a:ext cx="0" cy="0"/>
+          <a:chOff x="0" y="0"/>
+          <a:chExt cx="0" cy="0"/>
+        </a:xfrm>
+      </p:grpSpPr>
+      <p:sp>
+        <p:nvSpPr>
           <p:cNvPr id="8" name="Заголовок 7">
             <a:extLst>
               <a:ext uri="{FF2B5EF4-FFF2-40B4-BE49-F238E27FC236}">
@@ -26914,15 +28226,26 @@
             </a:r>
             <a:r>
               <a:rPr lang="en-US" dirty="0"/>
-              <a:t> class is designed to store and manage UI-related data in a lifecycle conscious way. The </a:t>
-            </a:r>
+              <a:t> class is designed to store and manage UI-related data in a lifecycle conscious way. </a:t>
+            </a:r>
+            <a:endParaRPr lang="ru-RU" dirty="0"/>
+          </a:p>
+          <a:p>
             <a:r>
               <a:rPr lang="en-US" dirty="0" err="1"/>
               <a:t>ViewModel</a:t>
             </a:r>
             <a:r>
               <a:rPr lang="en-US" dirty="0"/>
-              <a:t> class allows data to survive configuration changes such as screen rotations.</a:t>
+              <a:t> </a:t>
+            </a:r>
+            <a:r>
+              <a:rPr lang="ru-RU" dirty="0"/>
+              <a:t>позволяет данным переживать </a:t>
+            </a:r>
+            <a:r>
+              <a:rPr lang="en-US" dirty="0"/>
+              <a:t>Configuration Change.</a:t>
             </a:r>
             <a:endParaRPr lang="ru-RU" dirty="0"/>
           </a:p>
@@ -27002,7 +28325,7 @@
               <a:pPr>
                 <a:defRPr/>
               </a:pPr>
-              <a:t>35</a:t>
+              <a:t>38</a:t>
             </a:fld>
             <a:endParaRPr lang="en-US"/>
           </a:p>
@@ -27058,7 +28381,7 @@
 </p:sld>
 </file>
 
-<file path=ppt/slides/slide36.xml><?xml version="1.0" encoding="utf-8"?>
+<file path=ppt/slides/slide39.xml><?xml version="1.0" encoding="utf-8"?>
 <p:sld xmlns:a="http://schemas.openxmlformats.org/drawingml/2006/main" xmlns:r="http://schemas.openxmlformats.org/officeDocument/2006/relationships" xmlns:p="http://schemas.openxmlformats.org/presentationml/2006/main">
   <p:cSld>
     <p:bg>
@@ -27240,7 +28563,7 @@
               <a:pPr>
                 <a:defRPr/>
               </a:pPr>
-              <a:t>36</a:t>
+              <a:t>39</a:t>
             </a:fld>
             <a:endParaRPr lang="en-US"/>
           </a:p>
@@ -27299,7 +28622,417 @@
 </p:sld>
 </file>
 
-<file path=ppt/slides/slide37.xml><?xml version="1.0" encoding="utf-8"?>
+<file path=ppt/slides/slide4.xml><?xml version="1.0" encoding="utf-8"?>
+<p:sld xmlns:a="http://schemas.openxmlformats.org/drawingml/2006/main" xmlns:r="http://schemas.openxmlformats.org/officeDocument/2006/relationships" xmlns:p="http://schemas.openxmlformats.org/presentationml/2006/main">
+  <p:cSld>
+    <p:spTree>
+      <p:nvGrpSpPr>
+        <p:cNvPr id="1" name=""/>
+        <p:cNvGrpSpPr/>
+        <p:nvPr/>
+      </p:nvGrpSpPr>
+      <p:grpSpPr>
+        <a:xfrm>
+          <a:off x="0" y="0"/>
+          <a:ext cx="0" cy="0"/>
+          <a:chOff x="0" y="0"/>
+          <a:chExt cx="0" cy="0"/>
+        </a:xfrm>
+      </p:grpSpPr>
+      <p:sp>
+        <p:nvSpPr>
+          <p:cNvPr id="19458" name="Title 1">
+            <a:extLst>
+              <a:ext uri="{FF2B5EF4-FFF2-40B4-BE49-F238E27FC236}">
+                <a16:creationId xmlns:a16="http://schemas.microsoft.com/office/drawing/2014/main" id="{20EA0C4D-7AC4-4164-881B-11CA1481F2CB}"/>
+              </a:ext>
+            </a:extLst>
+          </p:cNvPr>
+          <p:cNvSpPr>
+            <a:spLocks noGrp="1"/>
+          </p:cNvSpPr>
+          <p:nvPr>
+            <p:ph type="title"/>
+          </p:nvPr>
+        </p:nvSpPr>
+        <p:spPr/>
+        <p:txBody>
+          <a:bodyPr/>
+          <a:lstStyle/>
+          <a:p>
+            <a:pPr eaLnBrk="1" hangingPunct="1"/>
+            <a:r>
+              <a:rPr lang="ru-RU" altLang="ru-RU" dirty="0"/>
+              <a:t>В предыдущих лекциях...</a:t>
+            </a:r>
+            <a:endParaRPr lang="en-US" altLang="ru-RU" dirty="0"/>
+          </a:p>
+        </p:txBody>
+      </p:sp>
+      <p:sp>
+        <p:nvSpPr>
+          <p:cNvPr id="19459" name="Content Placeholder 2">
+            <a:extLst>
+              <a:ext uri="{FF2B5EF4-FFF2-40B4-BE49-F238E27FC236}">
+                <a16:creationId xmlns:a16="http://schemas.microsoft.com/office/drawing/2014/main" id="{CB194B76-5745-4B23-ABB0-101FF00C6BF9}"/>
+              </a:ext>
+            </a:extLst>
+          </p:cNvPr>
+          <p:cNvSpPr>
+            <a:spLocks noGrp="1"/>
+          </p:cNvSpPr>
+          <p:nvPr>
+            <p:ph idx="1"/>
+          </p:nvPr>
+        </p:nvSpPr>
+        <p:spPr/>
+        <p:txBody>
+          <a:bodyPr/>
+          <a:lstStyle/>
+          <a:p>
+            <a:pPr eaLnBrk="1" hangingPunct="1"/>
+            <a:r>
+              <a:rPr lang="en-US" altLang="ru-RU" dirty="0"/>
+              <a:t>Android Studio</a:t>
+            </a:r>
+          </a:p>
+          <a:p>
+            <a:pPr lvl="1" eaLnBrk="1" hangingPunct="1"/>
+            <a:r>
+              <a:rPr lang="en-US" altLang="ru-RU" dirty="0">
+                <a:hlinkClick r:id="rId2"/>
+              </a:rPr>
+              <a:t>http://developer.android.com/sdk/index.html</a:t>
+            </a:r>
+            <a:endParaRPr lang="en-US" altLang="ru-RU" dirty="0"/>
+          </a:p>
+          <a:p>
+            <a:pPr eaLnBrk="1" hangingPunct="1"/>
+            <a:r>
+              <a:rPr lang="en-US" altLang="ru-RU" dirty="0"/>
+              <a:t>IntelliJ Idea (Bundled Android Plugin)</a:t>
+            </a:r>
+            <a:endParaRPr lang="ru-RU" altLang="ru-RU" dirty="0"/>
+          </a:p>
+          <a:p>
+            <a:pPr eaLnBrk="1" fontAlgn="auto" hangingPunct="1">
+              <a:spcAft>
+                <a:spcPts val="0"/>
+              </a:spcAft>
+              <a:defRPr/>
+            </a:pPr>
+            <a:r>
+              <a:rPr lang="en-US" dirty="0"/>
+              <a:t>Android SDK</a:t>
+            </a:r>
+          </a:p>
+          <a:p>
+            <a:pPr lvl="1" eaLnBrk="1" fontAlgn="auto" hangingPunct="1">
+              <a:spcAft>
+                <a:spcPts val="0"/>
+              </a:spcAft>
+              <a:defRPr/>
+            </a:pPr>
+            <a:r>
+              <a:rPr lang="en-US" dirty="0">
+                <a:hlinkClick r:id="rId2"/>
+              </a:rPr>
+              <a:t>http://developer.android.com/sdk/index.html</a:t>
+            </a:r>
+            <a:endParaRPr lang="ru-RU" dirty="0"/>
+          </a:p>
+          <a:p>
+            <a:pPr eaLnBrk="1" fontAlgn="auto" hangingPunct="1">
+              <a:spcAft>
+                <a:spcPts val="0"/>
+              </a:spcAft>
+              <a:defRPr/>
+            </a:pPr>
+            <a:r>
+              <a:rPr lang="en-US" dirty="0"/>
+              <a:t>Kotlin &amp; Java</a:t>
+            </a:r>
+          </a:p>
+          <a:p>
+            <a:pPr eaLnBrk="1" hangingPunct="1"/>
+            <a:endParaRPr lang="en-US" altLang="ru-RU" dirty="0"/>
+          </a:p>
+        </p:txBody>
+      </p:sp>
+      <p:sp>
+        <p:nvSpPr>
+          <p:cNvPr id="19460" name="Slide Number Placeholder 3">
+            <a:extLst>
+              <a:ext uri="{FF2B5EF4-FFF2-40B4-BE49-F238E27FC236}">
+                <a16:creationId xmlns:a16="http://schemas.microsoft.com/office/drawing/2014/main" id="{9E6DC852-21D1-4A1F-BB08-628B18883813}"/>
+              </a:ext>
+            </a:extLst>
+          </p:cNvPr>
+          <p:cNvSpPr>
+            <a:spLocks noGrp="1" noChangeArrowheads="1"/>
+          </p:cNvSpPr>
+          <p:nvPr>
+            <p:ph type="sldNum" sz="quarter" idx="12"/>
+          </p:nvPr>
+        </p:nvSpPr>
+        <p:spPr bwMode="auto">
+          <a:noFill/>
+          <a:extLst>
+            <a:ext uri="{909E8E84-426E-40DD-AFC4-6F175D3DCCD1}">
+              <a14:hiddenFill xmlns:a14="http://schemas.microsoft.com/office/drawing/2010/main">
+                <a:solidFill>
+                  <a:srgbClr val="FFFFFF"/>
+                </a:solidFill>
+              </a14:hiddenFill>
+            </a:ext>
+            <a:ext uri="{91240B29-F687-4F45-9708-019B960494DF}">
+              <a14:hiddenLine xmlns:a14="http://schemas.microsoft.com/office/drawing/2010/main" w="9525">
+                <a:solidFill>
+                  <a:srgbClr val="000000"/>
+                </a:solidFill>
+                <a:miter lim="800000"/>
+                <a:headEnd/>
+                <a:tailEnd/>
+              </a14:hiddenLine>
+            </a:ext>
+          </a:extLst>
+        </p:spPr>
+        <p:txBody>
+          <a:bodyPr/>
+          <a:lstStyle>
+            <a:lvl1pPr>
+              <a:spcBef>
+                <a:spcPct val="20000"/>
+              </a:spcBef>
+              <a:buFont typeface="Arial" panose="020B0604020202020204" pitchFamily="34" charset="0"/>
+              <a:buChar char="•"/>
+              <a:defRPr sz="3200">
+                <a:solidFill>
+                  <a:schemeClr val="tx1"/>
+                </a:solidFill>
+                <a:latin typeface="Calibri" panose="020F0502020204030204" pitchFamily="34" charset="0"/>
+              </a:defRPr>
+            </a:lvl1pPr>
+            <a:lvl2pPr marL="742950" indent="-285750">
+              <a:spcBef>
+                <a:spcPct val="20000"/>
+              </a:spcBef>
+              <a:buFont typeface="Arial" panose="020B0604020202020204" pitchFamily="34" charset="0"/>
+              <a:buChar char="–"/>
+              <a:defRPr sz="2800">
+                <a:solidFill>
+                  <a:schemeClr val="tx1"/>
+                </a:solidFill>
+                <a:latin typeface="Calibri" panose="020F0502020204030204" pitchFamily="34" charset="0"/>
+              </a:defRPr>
+            </a:lvl2pPr>
+            <a:lvl3pPr marL="1143000" indent="-228600">
+              <a:spcBef>
+                <a:spcPct val="20000"/>
+              </a:spcBef>
+              <a:buFont typeface="Arial" panose="020B0604020202020204" pitchFamily="34" charset="0"/>
+              <a:buChar char="•"/>
+              <a:defRPr sz="2400">
+                <a:solidFill>
+                  <a:schemeClr val="tx1"/>
+                </a:solidFill>
+                <a:latin typeface="Calibri" panose="020F0502020204030204" pitchFamily="34" charset="0"/>
+              </a:defRPr>
+            </a:lvl3pPr>
+            <a:lvl4pPr marL="1600200" indent="-228600">
+              <a:spcBef>
+                <a:spcPct val="20000"/>
+              </a:spcBef>
+              <a:buFont typeface="Arial" panose="020B0604020202020204" pitchFamily="34" charset="0"/>
+              <a:buChar char="–"/>
+              <a:defRPr sz="2000">
+                <a:solidFill>
+                  <a:schemeClr val="tx1"/>
+                </a:solidFill>
+                <a:latin typeface="Calibri" panose="020F0502020204030204" pitchFamily="34" charset="0"/>
+              </a:defRPr>
+            </a:lvl4pPr>
+            <a:lvl5pPr marL="2057400" indent="-228600">
+              <a:spcBef>
+                <a:spcPct val="20000"/>
+              </a:spcBef>
+              <a:buFont typeface="Arial" panose="020B0604020202020204" pitchFamily="34" charset="0"/>
+              <a:buChar char="»"/>
+              <a:defRPr sz="2000">
+                <a:solidFill>
+                  <a:schemeClr val="tx1"/>
+                </a:solidFill>
+                <a:latin typeface="Calibri" panose="020F0502020204030204" pitchFamily="34" charset="0"/>
+              </a:defRPr>
+            </a:lvl5pPr>
+            <a:lvl6pPr marL="2514600" indent="-228600" eaLnBrk="0" fontAlgn="base" hangingPunct="0">
+              <a:spcBef>
+                <a:spcPct val="20000"/>
+              </a:spcBef>
+              <a:spcAft>
+                <a:spcPct val="0"/>
+              </a:spcAft>
+              <a:buFont typeface="Arial" panose="020B0604020202020204" pitchFamily="34" charset="0"/>
+              <a:buChar char="»"/>
+              <a:defRPr sz="2000">
+                <a:solidFill>
+                  <a:schemeClr val="tx1"/>
+                </a:solidFill>
+                <a:latin typeface="Calibri" panose="020F0502020204030204" pitchFamily="34" charset="0"/>
+              </a:defRPr>
+            </a:lvl6pPr>
+            <a:lvl7pPr marL="2971800" indent="-228600" eaLnBrk="0" fontAlgn="base" hangingPunct="0">
+              <a:spcBef>
+                <a:spcPct val="20000"/>
+              </a:spcBef>
+              <a:spcAft>
+                <a:spcPct val="0"/>
+              </a:spcAft>
+              <a:buFont typeface="Arial" panose="020B0604020202020204" pitchFamily="34" charset="0"/>
+              <a:buChar char="»"/>
+              <a:defRPr sz="2000">
+                <a:solidFill>
+                  <a:schemeClr val="tx1"/>
+                </a:solidFill>
+                <a:latin typeface="Calibri" panose="020F0502020204030204" pitchFamily="34" charset="0"/>
+              </a:defRPr>
+            </a:lvl7pPr>
+            <a:lvl8pPr marL="3429000" indent="-228600" eaLnBrk="0" fontAlgn="base" hangingPunct="0">
+              <a:spcBef>
+                <a:spcPct val="20000"/>
+              </a:spcBef>
+              <a:spcAft>
+                <a:spcPct val="0"/>
+              </a:spcAft>
+              <a:buFont typeface="Arial" panose="020B0604020202020204" pitchFamily="34" charset="0"/>
+              <a:buChar char="»"/>
+              <a:defRPr sz="2000">
+                <a:solidFill>
+                  <a:schemeClr val="tx1"/>
+                </a:solidFill>
+                <a:latin typeface="Calibri" panose="020F0502020204030204" pitchFamily="34" charset="0"/>
+              </a:defRPr>
+            </a:lvl8pPr>
+            <a:lvl9pPr marL="3886200" indent="-228600" eaLnBrk="0" fontAlgn="base" hangingPunct="0">
+              <a:spcBef>
+                <a:spcPct val="20000"/>
+              </a:spcBef>
+              <a:spcAft>
+                <a:spcPct val="0"/>
+              </a:spcAft>
+              <a:buFont typeface="Arial" panose="020B0604020202020204" pitchFamily="34" charset="0"/>
+              <a:buChar char="»"/>
+              <a:defRPr sz="2000">
+                <a:solidFill>
+                  <a:schemeClr val="tx1"/>
+                </a:solidFill>
+                <a:latin typeface="Calibri" panose="020F0502020204030204" pitchFamily="34" charset="0"/>
+              </a:defRPr>
+            </a:lvl9pPr>
+          </a:lstStyle>
+          <a:p>
+            <a:pPr>
+              <a:spcBef>
+                <a:spcPct val="0"/>
+              </a:spcBef>
+              <a:buFontTx/>
+              <a:buNone/>
+            </a:pPr>
+            <a:fld id="{DF5BBF74-3D57-4B3E-988C-C44C0AB9D8D0}" type="slidenum">
+              <a:rPr lang="en-US" altLang="ru-RU" sz="1200">
+                <a:solidFill>
+                  <a:srgbClr val="898989"/>
+                </a:solidFill>
+              </a:rPr>
+              <a:pPr>
+                <a:spcBef>
+                  <a:spcPct val="0"/>
+                </a:spcBef>
+                <a:buFontTx/>
+                <a:buNone/>
+              </a:pPr>
+              <a:t>4</a:t>
+            </a:fld>
+            <a:endParaRPr lang="en-US" altLang="ru-RU" sz="1200">
+              <a:solidFill>
+                <a:srgbClr val="898989"/>
+              </a:solidFill>
+            </a:endParaRPr>
+          </a:p>
+        </p:txBody>
+      </p:sp>
+      <p:sp>
+        <p:nvSpPr>
+          <p:cNvPr id="5" name="Footer Placeholder 4">
+            <a:extLst>
+              <a:ext uri="{FF2B5EF4-FFF2-40B4-BE49-F238E27FC236}">
+                <a16:creationId xmlns:a16="http://schemas.microsoft.com/office/drawing/2014/main" id="{6403C80F-2C1E-4C4A-B98A-C9ED8F1A7487}"/>
+              </a:ext>
+            </a:extLst>
+          </p:cNvPr>
+          <p:cNvSpPr>
+            <a:spLocks noGrp="1"/>
+          </p:cNvSpPr>
+          <p:nvPr>
+            <p:ph type="ftr" sz="quarter" idx="11"/>
+          </p:nvPr>
+        </p:nvSpPr>
+        <p:spPr/>
+        <p:txBody>
+          <a:bodyPr/>
+          <a:lstStyle/>
+          <a:p>
+            <a:pPr>
+              <a:defRPr/>
+            </a:pPr>
+            <a:r>
+              <a:rPr lang="en-US"/>
+              <a:t>Creative Commons Attribution-ShareAlike 3.0</a:t>
+            </a:r>
+          </a:p>
+        </p:txBody>
+      </p:sp>
+      <p:sp>
+        <p:nvSpPr>
+          <p:cNvPr id="6" name="Date Placeholder 5">
+            <a:extLst>
+              <a:ext uri="{FF2B5EF4-FFF2-40B4-BE49-F238E27FC236}">
+                <a16:creationId xmlns:a16="http://schemas.microsoft.com/office/drawing/2014/main" id="{970E94FD-F91B-460F-9910-5E6F31DF4177}"/>
+              </a:ext>
+            </a:extLst>
+          </p:cNvPr>
+          <p:cNvSpPr>
+            <a:spLocks noGrp="1"/>
+          </p:cNvSpPr>
+          <p:nvPr>
+            <p:ph type="dt" sz="quarter" idx="10"/>
+          </p:nvPr>
+        </p:nvSpPr>
+        <p:spPr/>
+        <p:txBody>
+          <a:bodyPr/>
+          <a:lstStyle/>
+          <a:p>
+            <a:pPr>
+              <a:defRPr/>
+            </a:pPr>
+            <a:r>
+              <a:rPr lang="ru-RU"/>
+              <a:t>19.09.2019</a:t>
+            </a:r>
+            <a:endParaRPr lang="en-US"/>
+          </a:p>
+        </p:txBody>
+      </p:sp>
+    </p:spTree>
+  </p:cSld>
+  <p:clrMapOvr>
+    <a:masterClrMapping/>
+  </p:clrMapOvr>
+</p:sld>
+</file>
+
+<file path=ppt/slides/slide40.xml><?xml version="1.0" encoding="utf-8"?>
 <p:sld xmlns:a="http://schemas.openxmlformats.org/drawingml/2006/main" xmlns:r="http://schemas.openxmlformats.org/officeDocument/2006/relationships" xmlns:p="http://schemas.openxmlformats.org/presentationml/2006/main">
   <p:cSld>
     <p:bg>
@@ -27434,7 +29167,7 @@
               <a:pPr>
                 <a:defRPr/>
               </a:pPr>
-              <a:t>37</a:t>
+              <a:t>40</a:t>
             </a:fld>
             <a:endParaRPr lang="en-US"/>
           </a:p>
@@ -28795,7 +30528,7 @@
 </p:sld>
 </file>
 
-<file path=ppt/slides/slide38.xml><?xml version="1.0" encoding="utf-8"?>
+<file path=ppt/slides/slide41.xml><?xml version="1.0" encoding="utf-8"?>
 <p:sld xmlns:a="http://schemas.openxmlformats.org/drawingml/2006/main" xmlns:r="http://schemas.openxmlformats.org/officeDocument/2006/relationships" xmlns:p="http://schemas.openxmlformats.org/presentationml/2006/main">
   <p:cSld>
     <p:bg>
@@ -29643,7 +31376,7 @@
             <a:fld id="{813AAD51-F136-4F79-9D4E-C225B868444E}" type="slidenum">
               <a:rPr lang="en-US" smtClean="0"/>
               <a:pPr/>
-              <a:t>38</a:t>
+              <a:t>41</a:t>
             </a:fld>
             <a:endParaRPr lang="en-US"/>
           </a:p>
@@ -29783,7 +31516,7 @@
 </p:sld>
 </file>
 
-<file path=ppt/slides/slide39.xml><?xml version="1.0" encoding="utf-8"?>
+<file path=ppt/slides/slide42.xml><?xml version="1.0" encoding="utf-8"?>
 <p:sld xmlns:a="http://schemas.openxmlformats.org/drawingml/2006/main" xmlns:r="http://schemas.openxmlformats.org/officeDocument/2006/relationships" xmlns:p="http://schemas.openxmlformats.org/presentationml/2006/main">
   <p:cSld>
     <p:bg>
@@ -29903,7 +31636,7 @@
             <a:fld id="{813AAD51-F136-4F79-9D4E-C225B868444E}" type="slidenum">
               <a:rPr lang="en-US" smtClean="0"/>
               <a:pPr/>
-              <a:t>39</a:t>
+              <a:t>42</a:t>
             </a:fld>
             <a:endParaRPr lang="en-US"/>
           </a:p>
@@ -29928,7 +31661,7 @@
         <p:spPr/>
         <p:txBody>
           <a:bodyPr>
-            <a:normAutofit fontScale="70000" lnSpcReduction="20000"/>
+            <a:normAutofit fontScale="92500"/>
           </a:bodyPr>
           <a:lstStyle/>
           <a:p>
@@ -29936,33 +31669,47 @@
               <a:rPr lang="en-US" b="1" dirty="0"/>
               <a:t>Local persistence</a:t>
             </a:r>
+          </a:p>
+          <a:p>
+            <a:pPr lvl="1"/>
+            <a:r>
+              <a:rPr lang="ru-RU" dirty="0"/>
+              <a:t>Сохранять все данные, которые должны пережить закрытие</a:t>
+            </a:r>
             <a:r>
               <a:rPr lang="en-US" dirty="0"/>
-              <a:t>: Stores all data you don’t want to lose if you open and close the activity.</a:t>
-            </a:r>
-          </a:p>
-          <a:p>
-            <a:pPr lvl="1"/>
+              <a:t>/</a:t>
+            </a:r>
+            <a:r>
+              <a:rPr lang="ru-RU" dirty="0"/>
+              <a:t>открытие </a:t>
+            </a:r>
             <a:r>
               <a:rPr lang="en-US" dirty="0"/>
-              <a:t>Example: A collection of song objects, which could include audio files and metadata.</a:t>
-            </a:r>
+              <a:t>Activity (</a:t>
+            </a:r>
+            <a:r>
+              <a:rPr lang="ru-RU" dirty="0"/>
+              <a:t>приложения)</a:t>
+            </a:r>
+            <a:endParaRPr lang="en-US" dirty="0"/>
           </a:p>
           <a:p>
             <a:r>
               <a:rPr lang="en-US" b="1" dirty="0" err="1"/>
               <a:t>ViewModel</a:t>
             </a:r>
+            <a:endParaRPr lang="ru-RU" b="1" dirty="0"/>
+          </a:p>
+          <a:p>
+            <a:pPr lvl="1"/>
+            <a:r>
+              <a:rPr lang="ru-RU" dirty="0"/>
+              <a:t>Данные для отображения текущего </a:t>
+            </a:r>
             <a:r>
               <a:rPr lang="en-US" dirty="0"/>
-              <a:t>: Stores in memory all the data needed to display the associated UI Controller.</a:t>
-            </a:r>
-          </a:p>
-          <a:p>
-            <a:pPr lvl="1"/>
-            <a:r>
-              <a:rPr lang="en-US" dirty="0"/>
-              <a:t>Example: The song objects of the most recent search and the most recent search query.</a:t>
+              <a:t>UI</a:t>
             </a:r>
           </a:p>
           <a:p>
@@ -29974,26 +31721,34 @@
               <a:rPr lang="en-US" b="1" dirty="0"/>
               <a:t>()</a:t>
             </a:r>
+            <a:endParaRPr lang="ru-RU" b="1" dirty="0"/>
+          </a:p>
+          <a:p>
+            <a:pPr lvl="1"/>
+            <a:r>
+              <a:rPr lang="ru-RU" dirty="0"/>
+              <a:t>Небольшой фрагмент данных, который поможет восстановить состояние </a:t>
+            </a:r>
             <a:r>
               <a:rPr lang="en-US" dirty="0"/>
-              <a:t>: Stores a small amount of data needed to easily reload activity state if the system stops and then recreates the UI Controller. Instead of storing complex objects here, persist the complex objects in local storage and store a unique ID for these objects in </a:t>
+              <a:t>Activity (</a:t>
+            </a:r>
+            <a:r>
+              <a:rPr lang="ru-RU" dirty="0"/>
+              <a:t>инициализировать </a:t>
             </a:r>
             <a:r>
               <a:rPr lang="en-US" dirty="0" err="1"/>
-              <a:t>onSaveInstanceState</a:t>
+              <a:t>ViewModel</a:t>
             </a:r>
             <a:r>
               <a:rPr lang="en-US" dirty="0"/>
-              <a:t>().</a:t>
-            </a:r>
-          </a:p>
-          <a:p>
-            <a:pPr lvl="1"/>
-            <a:r>
-              <a:rPr lang="en-US" dirty="0"/>
-              <a:t>Example: Storing the most recent search query.</a:t>
-            </a:r>
-            <a:endParaRPr lang="ru-RU" dirty="0"/>
+              <a:t>)</a:t>
+            </a:r>
+            <a:r>
+              <a:rPr lang="ru-RU" dirty="0"/>
+              <a:t> в случае остановки процесса</a:t>
+            </a:r>
           </a:p>
         </p:txBody>
       </p:sp>
@@ -30131,417 +31886,7 @@
 </p:sld>
 </file>
 
-<file path=ppt/slides/slide4.xml><?xml version="1.0" encoding="utf-8"?>
-<p:sld xmlns:a="http://schemas.openxmlformats.org/drawingml/2006/main" xmlns:r="http://schemas.openxmlformats.org/officeDocument/2006/relationships" xmlns:p="http://schemas.openxmlformats.org/presentationml/2006/main">
-  <p:cSld>
-    <p:spTree>
-      <p:nvGrpSpPr>
-        <p:cNvPr id="1" name=""/>
-        <p:cNvGrpSpPr/>
-        <p:nvPr/>
-      </p:nvGrpSpPr>
-      <p:grpSpPr>
-        <a:xfrm>
-          <a:off x="0" y="0"/>
-          <a:ext cx="0" cy="0"/>
-          <a:chOff x="0" y="0"/>
-          <a:chExt cx="0" cy="0"/>
-        </a:xfrm>
-      </p:grpSpPr>
-      <p:sp>
-        <p:nvSpPr>
-          <p:cNvPr id="19458" name="Title 1">
-            <a:extLst>
-              <a:ext uri="{FF2B5EF4-FFF2-40B4-BE49-F238E27FC236}">
-                <a16:creationId xmlns:a16="http://schemas.microsoft.com/office/drawing/2014/main" id="{20EA0C4D-7AC4-4164-881B-11CA1481F2CB}"/>
-              </a:ext>
-            </a:extLst>
-          </p:cNvPr>
-          <p:cNvSpPr>
-            <a:spLocks noGrp="1"/>
-          </p:cNvSpPr>
-          <p:nvPr>
-            <p:ph type="title"/>
-          </p:nvPr>
-        </p:nvSpPr>
-        <p:spPr/>
-        <p:txBody>
-          <a:bodyPr/>
-          <a:lstStyle/>
-          <a:p>
-            <a:pPr eaLnBrk="1" hangingPunct="1"/>
-            <a:r>
-              <a:rPr lang="ru-RU" altLang="ru-RU" dirty="0"/>
-              <a:t>В предыдущих лекциях...</a:t>
-            </a:r>
-            <a:endParaRPr lang="en-US" altLang="ru-RU" dirty="0"/>
-          </a:p>
-        </p:txBody>
-      </p:sp>
-      <p:sp>
-        <p:nvSpPr>
-          <p:cNvPr id="19459" name="Content Placeholder 2">
-            <a:extLst>
-              <a:ext uri="{FF2B5EF4-FFF2-40B4-BE49-F238E27FC236}">
-                <a16:creationId xmlns:a16="http://schemas.microsoft.com/office/drawing/2014/main" id="{CB194B76-5745-4B23-ABB0-101FF00C6BF9}"/>
-              </a:ext>
-            </a:extLst>
-          </p:cNvPr>
-          <p:cNvSpPr>
-            <a:spLocks noGrp="1"/>
-          </p:cNvSpPr>
-          <p:nvPr>
-            <p:ph idx="1"/>
-          </p:nvPr>
-        </p:nvSpPr>
-        <p:spPr/>
-        <p:txBody>
-          <a:bodyPr/>
-          <a:lstStyle/>
-          <a:p>
-            <a:pPr eaLnBrk="1" hangingPunct="1"/>
-            <a:r>
-              <a:rPr lang="en-US" altLang="ru-RU" dirty="0"/>
-              <a:t>Android Studio</a:t>
-            </a:r>
-          </a:p>
-          <a:p>
-            <a:pPr lvl="1" eaLnBrk="1" hangingPunct="1"/>
-            <a:r>
-              <a:rPr lang="en-US" altLang="ru-RU" dirty="0">
-                <a:hlinkClick r:id="rId2"/>
-              </a:rPr>
-              <a:t>http://developer.android.com/sdk/index.html</a:t>
-            </a:r>
-            <a:endParaRPr lang="en-US" altLang="ru-RU" dirty="0"/>
-          </a:p>
-          <a:p>
-            <a:pPr eaLnBrk="1" hangingPunct="1"/>
-            <a:r>
-              <a:rPr lang="en-US" altLang="ru-RU" dirty="0"/>
-              <a:t>IntelliJ Idea (Bundled Android Plugin)</a:t>
-            </a:r>
-            <a:endParaRPr lang="ru-RU" altLang="ru-RU" dirty="0"/>
-          </a:p>
-          <a:p>
-            <a:pPr eaLnBrk="1" fontAlgn="auto" hangingPunct="1">
-              <a:spcAft>
-                <a:spcPts val="0"/>
-              </a:spcAft>
-              <a:defRPr/>
-            </a:pPr>
-            <a:r>
-              <a:rPr lang="en-US" dirty="0"/>
-              <a:t>Android SDK</a:t>
-            </a:r>
-          </a:p>
-          <a:p>
-            <a:pPr lvl="1" eaLnBrk="1" fontAlgn="auto" hangingPunct="1">
-              <a:spcAft>
-                <a:spcPts val="0"/>
-              </a:spcAft>
-              <a:defRPr/>
-            </a:pPr>
-            <a:r>
-              <a:rPr lang="en-US" dirty="0">
-                <a:hlinkClick r:id="rId2"/>
-              </a:rPr>
-              <a:t>http://developer.android.com/sdk/index.html</a:t>
-            </a:r>
-            <a:endParaRPr lang="ru-RU" dirty="0"/>
-          </a:p>
-          <a:p>
-            <a:pPr eaLnBrk="1" fontAlgn="auto" hangingPunct="1">
-              <a:spcAft>
-                <a:spcPts val="0"/>
-              </a:spcAft>
-              <a:defRPr/>
-            </a:pPr>
-            <a:r>
-              <a:rPr lang="en-US" dirty="0"/>
-              <a:t>Kotlin &amp; Java</a:t>
-            </a:r>
-          </a:p>
-          <a:p>
-            <a:pPr eaLnBrk="1" hangingPunct="1"/>
-            <a:endParaRPr lang="en-US" altLang="ru-RU" dirty="0"/>
-          </a:p>
-        </p:txBody>
-      </p:sp>
-      <p:sp>
-        <p:nvSpPr>
-          <p:cNvPr id="19460" name="Slide Number Placeholder 3">
-            <a:extLst>
-              <a:ext uri="{FF2B5EF4-FFF2-40B4-BE49-F238E27FC236}">
-                <a16:creationId xmlns:a16="http://schemas.microsoft.com/office/drawing/2014/main" id="{9E6DC852-21D1-4A1F-BB08-628B18883813}"/>
-              </a:ext>
-            </a:extLst>
-          </p:cNvPr>
-          <p:cNvSpPr>
-            <a:spLocks noGrp="1" noChangeArrowheads="1"/>
-          </p:cNvSpPr>
-          <p:nvPr>
-            <p:ph type="sldNum" sz="quarter" idx="12"/>
-          </p:nvPr>
-        </p:nvSpPr>
-        <p:spPr bwMode="auto">
-          <a:noFill/>
-          <a:extLst>
-            <a:ext uri="{909E8E84-426E-40DD-AFC4-6F175D3DCCD1}">
-              <a14:hiddenFill xmlns:a14="http://schemas.microsoft.com/office/drawing/2010/main">
-                <a:solidFill>
-                  <a:srgbClr val="FFFFFF"/>
-                </a:solidFill>
-              </a14:hiddenFill>
-            </a:ext>
-            <a:ext uri="{91240B29-F687-4F45-9708-019B960494DF}">
-              <a14:hiddenLine xmlns:a14="http://schemas.microsoft.com/office/drawing/2010/main" w="9525">
-                <a:solidFill>
-                  <a:srgbClr val="000000"/>
-                </a:solidFill>
-                <a:miter lim="800000"/>
-                <a:headEnd/>
-                <a:tailEnd/>
-              </a14:hiddenLine>
-            </a:ext>
-          </a:extLst>
-        </p:spPr>
-        <p:txBody>
-          <a:bodyPr/>
-          <a:lstStyle>
-            <a:lvl1pPr>
-              <a:spcBef>
-                <a:spcPct val="20000"/>
-              </a:spcBef>
-              <a:buFont typeface="Arial" panose="020B0604020202020204" pitchFamily="34" charset="0"/>
-              <a:buChar char="•"/>
-              <a:defRPr sz="3200">
-                <a:solidFill>
-                  <a:schemeClr val="tx1"/>
-                </a:solidFill>
-                <a:latin typeface="Calibri" panose="020F0502020204030204" pitchFamily="34" charset="0"/>
-              </a:defRPr>
-            </a:lvl1pPr>
-            <a:lvl2pPr marL="742950" indent="-285750">
-              <a:spcBef>
-                <a:spcPct val="20000"/>
-              </a:spcBef>
-              <a:buFont typeface="Arial" panose="020B0604020202020204" pitchFamily="34" charset="0"/>
-              <a:buChar char="–"/>
-              <a:defRPr sz="2800">
-                <a:solidFill>
-                  <a:schemeClr val="tx1"/>
-                </a:solidFill>
-                <a:latin typeface="Calibri" panose="020F0502020204030204" pitchFamily="34" charset="0"/>
-              </a:defRPr>
-            </a:lvl2pPr>
-            <a:lvl3pPr marL="1143000" indent="-228600">
-              <a:spcBef>
-                <a:spcPct val="20000"/>
-              </a:spcBef>
-              <a:buFont typeface="Arial" panose="020B0604020202020204" pitchFamily="34" charset="0"/>
-              <a:buChar char="•"/>
-              <a:defRPr sz="2400">
-                <a:solidFill>
-                  <a:schemeClr val="tx1"/>
-                </a:solidFill>
-                <a:latin typeface="Calibri" panose="020F0502020204030204" pitchFamily="34" charset="0"/>
-              </a:defRPr>
-            </a:lvl3pPr>
-            <a:lvl4pPr marL="1600200" indent="-228600">
-              <a:spcBef>
-                <a:spcPct val="20000"/>
-              </a:spcBef>
-              <a:buFont typeface="Arial" panose="020B0604020202020204" pitchFamily="34" charset="0"/>
-              <a:buChar char="–"/>
-              <a:defRPr sz="2000">
-                <a:solidFill>
-                  <a:schemeClr val="tx1"/>
-                </a:solidFill>
-                <a:latin typeface="Calibri" panose="020F0502020204030204" pitchFamily="34" charset="0"/>
-              </a:defRPr>
-            </a:lvl4pPr>
-            <a:lvl5pPr marL="2057400" indent="-228600">
-              <a:spcBef>
-                <a:spcPct val="20000"/>
-              </a:spcBef>
-              <a:buFont typeface="Arial" panose="020B0604020202020204" pitchFamily="34" charset="0"/>
-              <a:buChar char="»"/>
-              <a:defRPr sz="2000">
-                <a:solidFill>
-                  <a:schemeClr val="tx1"/>
-                </a:solidFill>
-                <a:latin typeface="Calibri" panose="020F0502020204030204" pitchFamily="34" charset="0"/>
-              </a:defRPr>
-            </a:lvl5pPr>
-            <a:lvl6pPr marL="2514600" indent="-228600" eaLnBrk="0" fontAlgn="base" hangingPunct="0">
-              <a:spcBef>
-                <a:spcPct val="20000"/>
-              </a:spcBef>
-              <a:spcAft>
-                <a:spcPct val="0"/>
-              </a:spcAft>
-              <a:buFont typeface="Arial" panose="020B0604020202020204" pitchFamily="34" charset="0"/>
-              <a:buChar char="»"/>
-              <a:defRPr sz="2000">
-                <a:solidFill>
-                  <a:schemeClr val="tx1"/>
-                </a:solidFill>
-                <a:latin typeface="Calibri" panose="020F0502020204030204" pitchFamily="34" charset="0"/>
-              </a:defRPr>
-            </a:lvl6pPr>
-            <a:lvl7pPr marL="2971800" indent="-228600" eaLnBrk="0" fontAlgn="base" hangingPunct="0">
-              <a:spcBef>
-                <a:spcPct val="20000"/>
-              </a:spcBef>
-              <a:spcAft>
-                <a:spcPct val="0"/>
-              </a:spcAft>
-              <a:buFont typeface="Arial" panose="020B0604020202020204" pitchFamily="34" charset="0"/>
-              <a:buChar char="»"/>
-              <a:defRPr sz="2000">
-                <a:solidFill>
-                  <a:schemeClr val="tx1"/>
-                </a:solidFill>
-                <a:latin typeface="Calibri" panose="020F0502020204030204" pitchFamily="34" charset="0"/>
-              </a:defRPr>
-            </a:lvl7pPr>
-            <a:lvl8pPr marL="3429000" indent="-228600" eaLnBrk="0" fontAlgn="base" hangingPunct="0">
-              <a:spcBef>
-                <a:spcPct val="20000"/>
-              </a:spcBef>
-              <a:spcAft>
-                <a:spcPct val="0"/>
-              </a:spcAft>
-              <a:buFont typeface="Arial" panose="020B0604020202020204" pitchFamily="34" charset="0"/>
-              <a:buChar char="»"/>
-              <a:defRPr sz="2000">
-                <a:solidFill>
-                  <a:schemeClr val="tx1"/>
-                </a:solidFill>
-                <a:latin typeface="Calibri" panose="020F0502020204030204" pitchFamily="34" charset="0"/>
-              </a:defRPr>
-            </a:lvl8pPr>
-            <a:lvl9pPr marL="3886200" indent="-228600" eaLnBrk="0" fontAlgn="base" hangingPunct="0">
-              <a:spcBef>
-                <a:spcPct val="20000"/>
-              </a:spcBef>
-              <a:spcAft>
-                <a:spcPct val="0"/>
-              </a:spcAft>
-              <a:buFont typeface="Arial" panose="020B0604020202020204" pitchFamily="34" charset="0"/>
-              <a:buChar char="»"/>
-              <a:defRPr sz="2000">
-                <a:solidFill>
-                  <a:schemeClr val="tx1"/>
-                </a:solidFill>
-                <a:latin typeface="Calibri" panose="020F0502020204030204" pitchFamily="34" charset="0"/>
-              </a:defRPr>
-            </a:lvl9pPr>
-          </a:lstStyle>
-          <a:p>
-            <a:pPr>
-              <a:spcBef>
-                <a:spcPct val="0"/>
-              </a:spcBef>
-              <a:buFontTx/>
-              <a:buNone/>
-            </a:pPr>
-            <a:fld id="{DF5BBF74-3D57-4B3E-988C-C44C0AB9D8D0}" type="slidenum">
-              <a:rPr lang="en-US" altLang="ru-RU" sz="1200">
-                <a:solidFill>
-                  <a:srgbClr val="898989"/>
-                </a:solidFill>
-              </a:rPr>
-              <a:pPr>
-                <a:spcBef>
-                  <a:spcPct val="0"/>
-                </a:spcBef>
-                <a:buFontTx/>
-                <a:buNone/>
-              </a:pPr>
-              <a:t>4</a:t>
-            </a:fld>
-            <a:endParaRPr lang="en-US" altLang="ru-RU" sz="1200">
-              <a:solidFill>
-                <a:srgbClr val="898989"/>
-              </a:solidFill>
-            </a:endParaRPr>
-          </a:p>
-        </p:txBody>
-      </p:sp>
-      <p:sp>
-        <p:nvSpPr>
-          <p:cNvPr id="5" name="Footer Placeholder 4">
-            <a:extLst>
-              <a:ext uri="{FF2B5EF4-FFF2-40B4-BE49-F238E27FC236}">
-                <a16:creationId xmlns:a16="http://schemas.microsoft.com/office/drawing/2014/main" id="{6403C80F-2C1E-4C4A-B98A-C9ED8F1A7487}"/>
-              </a:ext>
-            </a:extLst>
-          </p:cNvPr>
-          <p:cNvSpPr>
-            <a:spLocks noGrp="1"/>
-          </p:cNvSpPr>
-          <p:nvPr>
-            <p:ph type="ftr" sz="quarter" idx="11"/>
-          </p:nvPr>
-        </p:nvSpPr>
-        <p:spPr/>
-        <p:txBody>
-          <a:bodyPr/>
-          <a:lstStyle/>
-          <a:p>
-            <a:pPr>
-              <a:defRPr/>
-            </a:pPr>
-            <a:r>
-              <a:rPr lang="en-US"/>
-              <a:t>Creative Commons Attribution-ShareAlike 3.0</a:t>
-            </a:r>
-          </a:p>
-        </p:txBody>
-      </p:sp>
-      <p:sp>
-        <p:nvSpPr>
-          <p:cNvPr id="6" name="Date Placeholder 5">
-            <a:extLst>
-              <a:ext uri="{FF2B5EF4-FFF2-40B4-BE49-F238E27FC236}">
-                <a16:creationId xmlns:a16="http://schemas.microsoft.com/office/drawing/2014/main" id="{970E94FD-F91B-460F-9910-5E6F31DF4177}"/>
-              </a:ext>
-            </a:extLst>
-          </p:cNvPr>
-          <p:cNvSpPr>
-            <a:spLocks noGrp="1"/>
-          </p:cNvSpPr>
-          <p:nvPr>
-            <p:ph type="dt" sz="quarter" idx="10"/>
-          </p:nvPr>
-        </p:nvSpPr>
-        <p:spPr/>
-        <p:txBody>
-          <a:bodyPr/>
-          <a:lstStyle/>
-          <a:p>
-            <a:pPr>
-              <a:defRPr/>
-            </a:pPr>
-            <a:r>
-              <a:rPr lang="ru-RU"/>
-              <a:t>19.09.2019</a:t>
-            </a:r>
-            <a:endParaRPr lang="en-US"/>
-          </a:p>
-        </p:txBody>
-      </p:sp>
-    </p:spTree>
-  </p:cSld>
-  <p:clrMapOvr>
-    <a:masterClrMapping/>
-  </p:clrMapOvr>
-</p:sld>
-</file>
-
-<file path=ppt/slides/slide40.xml><?xml version="1.0" encoding="utf-8"?>
+<file path=ppt/slides/slide43.xml><?xml version="1.0" encoding="utf-8"?>
 <p:sld xmlns:a="http://schemas.openxmlformats.org/drawingml/2006/main" xmlns:r="http://schemas.openxmlformats.org/officeDocument/2006/relationships" xmlns:p="http://schemas.openxmlformats.org/presentationml/2006/main">
   <p:cSld>
     <p:bg>
@@ -30661,7 +32006,7 @@
             <a:fld id="{813AAD51-F136-4F79-9D4E-C225B868444E}" type="slidenum">
               <a:rPr lang="en-US" smtClean="0"/>
               <a:pPr/>
-              <a:t>40</a:t>
+              <a:t>43</a:t>
             </a:fld>
             <a:endParaRPr lang="en-US"/>
           </a:p>
@@ -30894,7 +32239,7 @@
 </p:sld>
 </file>
 
-<file path=ppt/slides/slide41.xml><?xml version="1.0" encoding="utf-8"?>
+<file path=ppt/slides/slide44.xml><?xml version="1.0" encoding="utf-8"?>
 <p:sld xmlns:a="http://schemas.openxmlformats.org/drawingml/2006/main" xmlns:r="http://schemas.openxmlformats.org/officeDocument/2006/relationships" xmlns:p="http://schemas.openxmlformats.org/presentationml/2006/main">
   <p:cSld>
     <p:bg>
@@ -31050,7 +32395,7 @@
               <a:pPr>
                 <a:defRPr/>
               </a:pPr>
-              <a:t>41</a:t>
+              <a:t>44</a:t>
             </a:fld>
             <a:endParaRPr lang="en-US"/>
           </a:p>
